--- a/pics/2019-08-06_determinant/pics.pptx
+++ b/pics/2019-08-06_determinant/pics.pptx
@@ -105,6 +105,11 @@
       </a:defRPr>
     </a:lvl9pPr>
   </p:defaultTextStyle>
+  <p:extLst>
+    <p:ext uri="{EFAFB233-063F-42B5-8137-9DF3F51BA10A}">
+      <p15:sldGuideLst xmlns:p15="http://schemas.microsoft.com/office/powerpoint/2012/main"/>
+    </p:ext>
+  </p:extLst>
 </p:presentation>
 </file>
 
@@ -255,7 +260,7 @@
           <a:p>
             <a:fld id="{E43098F3-F3D1-4422-9C32-AA16905EEAB4}" type="datetimeFigureOut">
               <a:rPr lang="ko-KR" altLang="en-US" smtClean="0"/>
-              <a:t>2019-08-06</a:t>
+              <a:t>2019-08-09</a:t>
             </a:fld>
             <a:endParaRPr lang="ko-KR" altLang="en-US"/>
           </a:p>
@@ -453,7 +458,7 @@
           <a:p>
             <a:fld id="{E43098F3-F3D1-4422-9C32-AA16905EEAB4}" type="datetimeFigureOut">
               <a:rPr lang="ko-KR" altLang="en-US" smtClean="0"/>
-              <a:t>2019-08-06</a:t>
+              <a:t>2019-08-09</a:t>
             </a:fld>
             <a:endParaRPr lang="ko-KR" altLang="en-US"/>
           </a:p>
@@ -661,7 +666,7 @@
           <a:p>
             <a:fld id="{E43098F3-F3D1-4422-9C32-AA16905EEAB4}" type="datetimeFigureOut">
               <a:rPr lang="ko-KR" altLang="en-US" smtClean="0"/>
-              <a:t>2019-08-06</a:t>
+              <a:t>2019-08-09</a:t>
             </a:fld>
             <a:endParaRPr lang="ko-KR" altLang="en-US"/>
           </a:p>
@@ -859,7 +864,7 @@
           <a:p>
             <a:fld id="{E43098F3-F3D1-4422-9C32-AA16905EEAB4}" type="datetimeFigureOut">
               <a:rPr lang="ko-KR" altLang="en-US" smtClean="0"/>
-              <a:t>2019-08-06</a:t>
+              <a:t>2019-08-09</a:t>
             </a:fld>
             <a:endParaRPr lang="ko-KR" altLang="en-US"/>
           </a:p>
@@ -1134,7 +1139,7 @@
           <a:p>
             <a:fld id="{E43098F3-F3D1-4422-9C32-AA16905EEAB4}" type="datetimeFigureOut">
               <a:rPr lang="ko-KR" altLang="en-US" smtClean="0"/>
-              <a:t>2019-08-06</a:t>
+              <a:t>2019-08-09</a:t>
             </a:fld>
             <a:endParaRPr lang="ko-KR" altLang="en-US"/>
           </a:p>
@@ -1399,7 +1404,7 @@
           <a:p>
             <a:fld id="{E43098F3-F3D1-4422-9C32-AA16905EEAB4}" type="datetimeFigureOut">
               <a:rPr lang="ko-KR" altLang="en-US" smtClean="0"/>
-              <a:t>2019-08-06</a:t>
+              <a:t>2019-08-09</a:t>
             </a:fld>
             <a:endParaRPr lang="ko-KR" altLang="en-US"/>
           </a:p>
@@ -1811,7 +1816,7 @@
           <a:p>
             <a:fld id="{E43098F3-F3D1-4422-9C32-AA16905EEAB4}" type="datetimeFigureOut">
               <a:rPr lang="ko-KR" altLang="en-US" smtClean="0"/>
-              <a:t>2019-08-06</a:t>
+              <a:t>2019-08-09</a:t>
             </a:fld>
             <a:endParaRPr lang="ko-KR" altLang="en-US"/>
           </a:p>
@@ -1952,7 +1957,7 @@
           <a:p>
             <a:fld id="{E43098F3-F3D1-4422-9C32-AA16905EEAB4}" type="datetimeFigureOut">
               <a:rPr lang="ko-KR" altLang="en-US" smtClean="0"/>
-              <a:t>2019-08-06</a:t>
+              <a:t>2019-08-09</a:t>
             </a:fld>
             <a:endParaRPr lang="ko-KR" altLang="en-US"/>
           </a:p>
@@ -2065,7 +2070,7 @@
           <a:p>
             <a:fld id="{E43098F3-F3D1-4422-9C32-AA16905EEAB4}" type="datetimeFigureOut">
               <a:rPr lang="ko-KR" altLang="en-US" smtClean="0"/>
-              <a:t>2019-08-06</a:t>
+              <a:t>2019-08-09</a:t>
             </a:fld>
             <a:endParaRPr lang="ko-KR" altLang="en-US"/>
           </a:p>
@@ -2376,7 +2381,7 @@
           <a:p>
             <a:fld id="{E43098F3-F3D1-4422-9C32-AA16905EEAB4}" type="datetimeFigureOut">
               <a:rPr lang="ko-KR" altLang="en-US" smtClean="0"/>
-              <a:t>2019-08-06</a:t>
+              <a:t>2019-08-09</a:t>
             </a:fld>
             <a:endParaRPr lang="ko-KR" altLang="en-US"/>
           </a:p>
@@ -2664,7 +2669,7 @@
           <a:p>
             <a:fld id="{E43098F3-F3D1-4422-9C32-AA16905EEAB4}" type="datetimeFigureOut">
               <a:rPr lang="ko-KR" altLang="en-US" smtClean="0"/>
-              <a:t>2019-08-06</a:t>
+              <a:t>2019-08-09</a:t>
             </a:fld>
             <a:endParaRPr lang="ko-KR" altLang="en-US"/>
           </a:p>
@@ -2905,7 +2910,7 @@
           <a:p>
             <a:fld id="{E43098F3-F3D1-4422-9C32-AA16905EEAB4}" type="datetimeFigureOut">
               <a:rPr lang="ko-KR" altLang="en-US" smtClean="0"/>
-              <a:t>2019-08-06</a:t>
+              <a:t>2019-08-09</a:t>
             </a:fld>
             <a:endParaRPr lang="ko-KR" altLang="en-US"/>
           </a:p>
@@ -3406,8 +3411,8 @@
           </a:fontRef>
         </p:style>
       </p:cxnSp>
-      <mc:AlternateContent xmlns:mc="http://schemas.openxmlformats.org/markup-compatibility/2006">
-        <mc:Choice xmlns:a14="http://schemas.microsoft.com/office/drawing/2010/main" Requires="a14">
+      <mc:AlternateContent xmlns:mc="http://schemas.openxmlformats.org/markup-compatibility/2006" xmlns:a14="http://schemas.microsoft.com/office/drawing/2010/main">
+        <mc:Choice Requires="a14">
           <p:sp>
             <p:nvSpPr>
               <p:cNvPr id="12" name="TextBox 11">
@@ -3436,6 +3441,7 @@
               </a:bodyPr>
               <a:lstStyle/>
               <a:p>
+                <a:pPr/>
                 <a14:m>
                   <m:oMathPara xmlns:m="http://schemas.openxmlformats.org/officeDocument/2006/math">
                     <m:oMathParaPr>
@@ -3456,7 +3462,7 @@
             </p:txBody>
           </p:sp>
         </mc:Choice>
-        <mc:Fallback>
+        <mc:Fallback xmlns="">
           <p:sp>
             <p:nvSpPr>
               <p:cNvPr id="12" name="TextBox 11">
@@ -3501,8 +3507,8 @@
           </p:sp>
         </mc:Fallback>
       </mc:AlternateContent>
-      <mc:AlternateContent xmlns:mc="http://schemas.openxmlformats.org/markup-compatibility/2006">
-        <mc:Choice xmlns:a14="http://schemas.microsoft.com/office/drawing/2010/main" Requires="a14">
+      <mc:AlternateContent xmlns:mc="http://schemas.openxmlformats.org/markup-compatibility/2006" xmlns:a14="http://schemas.microsoft.com/office/drawing/2010/main">
+        <mc:Choice Requires="a14">
           <p:sp>
             <p:nvSpPr>
               <p:cNvPr id="13" name="TextBox 12">
@@ -3531,6 +3537,7 @@
               </a:bodyPr>
               <a:lstStyle/>
               <a:p>
+                <a:pPr/>
                 <a14:m>
                   <m:oMathPara xmlns:m="http://schemas.openxmlformats.org/officeDocument/2006/math">
                     <m:oMathParaPr>
@@ -3551,7 +3558,7 @@
             </p:txBody>
           </p:sp>
         </mc:Choice>
-        <mc:Fallback>
+        <mc:Fallback xmlns="">
           <p:sp>
             <p:nvSpPr>
               <p:cNvPr id="13" name="TextBox 12">
@@ -3596,8 +3603,8 @@
           </p:sp>
         </mc:Fallback>
       </mc:AlternateContent>
-      <mc:AlternateContent xmlns:mc="http://schemas.openxmlformats.org/markup-compatibility/2006">
-        <mc:Choice xmlns:a14="http://schemas.microsoft.com/office/drawing/2010/main" Requires="a14">
+      <mc:AlternateContent xmlns:mc="http://schemas.openxmlformats.org/markup-compatibility/2006" xmlns:a14="http://schemas.microsoft.com/office/drawing/2010/main">
+        <mc:Choice Requires="a14">
           <p:sp>
             <p:nvSpPr>
               <p:cNvPr id="14" name="TextBox 13">
@@ -3626,6 +3633,7 @@
               </a:bodyPr>
               <a:lstStyle/>
               <a:p>
+                <a:pPr/>
                 <a14:m>
                   <m:oMathPara xmlns:m="http://schemas.openxmlformats.org/officeDocument/2006/math">
                     <m:oMathParaPr>
@@ -3646,7 +3654,7 @@
             </p:txBody>
           </p:sp>
         </mc:Choice>
-        <mc:Fallback>
+        <mc:Fallback xmlns="">
           <p:sp>
             <p:nvSpPr>
               <p:cNvPr id="14" name="TextBox 13">
@@ -3769,8 +3777,8 @@
           </a:fontRef>
         </p:style>
       </p:cxnSp>
-      <mc:AlternateContent xmlns:mc="http://schemas.openxmlformats.org/markup-compatibility/2006">
-        <mc:Choice xmlns:a14="http://schemas.microsoft.com/office/drawing/2010/main" Requires="a14">
+      <mc:AlternateContent xmlns:mc="http://schemas.openxmlformats.org/markup-compatibility/2006" xmlns:a14="http://schemas.microsoft.com/office/drawing/2010/main">
+        <mc:Choice Requires="a14">
           <p:sp>
             <p:nvSpPr>
               <p:cNvPr id="19" name="TextBox 18">
@@ -3799,6 +3807,7 @@
               </a:bodyPr>
               <a:lstStyle/>
               <a:p>
+                <a:pPr/>
                 <a14:m>
                   <m:oMathPara xmlns:m="http://schemas.openxmlformats.org/officeDocument/2006/math">
                     <m:oMathParaPr>
@@ -3861,7 +3870,7 @@
             </p:txBody>
           </p:sp>
         </mc:Choice>
-        <mc:Fallback>
+        <mc:Fallback xmlns="">
           <p:sp>
             <p:nvSpPr>
               <p:cNvPr id="19" name="TextBox 18">
@@ -3906,8 +3915,8 @@
           </p:sp>
         </mc:Fallback>
       </mc:AlternateContent>
-      <mc:AlternateContent xmlns:mc="http://schemas.openxmlformats.org/markup-compatibility/2006">
-        <mc:Choice xmlns:a14="http://schemas.microsoft.com/office/drawing/2010/main" Requires="a14">
+      <mc:AlternateContent xmlns:mc="http://schemas.openxmlformats.org/markup-compatibility/2006" xmlns:a14="http://schemas.microsoft.com/office/drawing/2010/main">
+        <mc:Choice Requires="a14">
           <p:sp>
             <p:nvSpPr>
               <p:cNvPr id="20" name="TextBox 19">
@@ -3936,6 +3945,7 @@
               </a:bodyPr>
               <a:lstStyle/>
               <a:p>
+                <a:pPr/>
                 <a14:m>
                   <m:oMathPara xmlns:m="http://schemas.openxmlformats.org/officeDocument/2006/math">
                     <m:oMathParaPr>
@@ -3998,7 +4008,7 @@
             </p:txBody>
           </p:sp>
         </mc:Choice>
-        <mc:Fallback>
+        <mc:Fallback xmlns="">
           <p:sp>
             <p:nvSpPr>
               <p:cNvPr id="20" name="TextBox 19">
@@ -4073,1457 +4083,6 @@
           <a:chExt cx="0" cy="0"/>
         </a:xfrm>
       </p:grpSpPr>
-      <p:cxnSp>
-        <p:nvCxnSpPr>
-          <p:cNvPr id="5" name="직선 화살표 연결선 4">
-            <a:extLst>
-              <a:ext uri="{FF2B5EF4-FFF2-40B4-BE49-F238E27FC236}">
-                <a16:creationId xmlns:a16="http://schemas.microsoft.com/office/drawing/2014/main" id="{14B99060-F72D-467E-BE89-41C4E1622CE7}"/>
-              </a:ext>
-            </a:extLst>
-          </p:cNvPr>
-          <p:cNvCxnSpPr/>
-          <p:nvPr/>
-        </p:nvCxnSpPr>
-        <p:spPr>
-          <a:xfrm>
-            <a:off x="3423822" y="5182340"/>
-            <a:ext cx="5344357" cy="0"/>
-          </a:xfrm>
-          <a:prstGeom prst="straightConnector1">
-            <a:avLst/>
-          </a:prstGeom>
-          <a:ln w="28575">
-            <a:solidFill>
-              <a:schemeClr val="tx1"/>
-            </a:solidFill>
-            <a:tailEnd type="triangle"/>
-          </a:ln>
-        </p:spPr>
-        <p:style>
-          <a:lnRef idx="1">
-            <a:schemeClr val="accent1"/>
-          </a:lnRef>
-          <a:fillRef idx="0">
-            <a:schemeClr val="accent1"/>
-          </a:fillRef>
-          <a:effectRef idx="0">
-            <a:schemeClr val="accent1"/>
-          </a:effectRef>
-          <a:fontRef idx="minor">
-            <a:schemeClr val="tx1"/>
-          </a:fontRef>
-        </p:style>
-      </p:cxnSp>
-      <p:cxnSp>
-        <p:nvCxnSpPr>
-          <p:cNvPr id="9" name="직선 화살표 연결선 8">
-            <a:extLst>
-              <a:ext uri="{FF2B5EF4-FFF2-40B4-BE49-F238E27FC236}">
-                <a16:creationId xmlns:a16="http://schemas.microsoft.com/office/drawing/2014/main" id="{711247D6-561C-4EC2-B0B5-F78EED7253E0}"/>
-              </a:ext>
-            </a:extLst>
-          </p:cNvPr>
-          <p:cNvCxnSpPr/>
-          <p:nvPr/>
-        </p:nvCxnSpPr>
-        <p:spPr>
-          <a:xfrm flipV="1">
-            <a:off x="3684233" y="1400453"/>
-            <a:ext cx="0" cy="4057095"/>
-          </a:xfrm>
-          <a:prstGeom prst="straightConnector1">
-            <a:avLst/>
-          </a:prstGeom>
-          <a:ln w="28575">
-            <a:solidFill>
-              <a:schemeClr val="tx1"/>
-            </a:solidFill>
-            <a:tailEnd type="triangle"/>
-          </a:ln>
-        </p:spPr>
-        <p:style>
-          <a:lnRef idx="1">
-            <a:schemeClr val="accent1"/>
-          </a:lnRef>
-          <a:fillRef idx="0">
-            <a:schemeClr val="accent1"/>
-          </a:fillRef>
-          <a:effectRef idx="0">
-            <a:schemeClr val="accent1"/>
-          </a:effectRef>
-          <a:fontRef idx="minor">
-            <a:schemeClr val="tx1"/>
-          </a:fontRef>
-        </p:style>
-      </p:cxnSp>
-      <mc:AlternateContent xmlns:mc="http://schemas.openxmlformats.org/markup-compatibility/2006">
-        <mc:Choice xmlns:a14="http://schemas.microsoft.com/office/drawing/2010/main" Requires="a14">
-          <p:sp>
-            <p:nvSpPr>
-              <p:cNvPr id="12" name="TextBox 11">
-                <a:extLst>
-                  <a:ext uri="{FF2B5EF4-FFF2-40B4-BE49-F238E27FC236}">
-                    <a16:creationId xmlns:a16="http://schemas.microsoft.com/office/drawing/2014/main" id="{3B2145C8-33CC-424C-B37B-7AC2D0A7E178}"/>
-                  </a:ext>
-                </a:extLst>
-              </p:cNvPr>
-              <p:cNvSpPr txBox="1"/>
-              <p:nvPr/>
-            </p:nvSpPr>
-            <p:spPr>
-              <a:xfrm>
-                <a:off x="3256680" y="5182340"/>
-                <a:ext cx="427553" cy="369332"/>
-              </a:xfrm>
-              <a:prstGeom prst="rect">
-                <a:avLst/>
-              </a:prstGeom>
-              <a:noFill/>
-            </p:spPr>
-            <p:txBody>
-              <a:bodyPr wrap="none" rtlCol="0">
-                <a:spAutoFit/>
-              </a:bodyPr>
-              <a:lstStyle/>
-              <a:p>
-                <a14:m>
-                  <m:oMathPara xmlns:m="http://schemas.openxmlformats.org/officeDocument/2006/math">
-                    <m:oMathParaPr>
-                      <m:jc m:val="centerGroup"/>
-                    </m:oMathParaPr>
-                    <m:oMath xmlns:m="http://schemas.openxmlformats.org/officeDocument/2006/math">
-                      <m:r>
-                        <a:rPr lang="en-US" altLang="ko-KR" b="0" i="1" smtClean="0">
-                          <a:latin typeface="Cambria Math" panose="02040503050406030204" pitchFamily="18" charset="0"/>
-                        </a:rPr>
-                        <m:t>𝑂</m:t>
-                      </m:r>
-                    </m:oMath>
-                  </m:oMathPara>
-                </a14:m>
-                <a:endParaRPr lang="ko-KR" altLang="en-US" dirty="0"/>
-              </a:p>
-            </p:txBody>
-          </p:sp>
-        </mc:Choice>
-        <mc:Fallback>
-          <p:sp>
-            <p:nvSpPr>
-              <p:cNvPr id="12" name="TextBox 11">
-                <a:extLst>
-                  <a:ext uri="{FF2B5EF4-FFF2-40B4-BE49-F238E27FC236}">
-                    <a16:creationId xmlns:a16="http://schemas.microsoft.com/office/drawing/2014/main" id="{3B2145C8-33CC-424C-B37B-7AC2D0A7E178}"/>
-                  </a:ext>
-                </a:extLst>
-              </p:cNvPr>
-              <p:cNvSpPr txBox="1">
-                <a:spLocks noRot="1" noChangeAspect="1" noMove="1" noResize="1" noEditPoints="1" noAdjustHandles="1" noChangeArrowheads="1" noChangeShapeType="1" noTextEdit="1"/>
-              </p:cNvSpPr>
-              <p:nvPr/>
-            </p:nvSpPr>
-            <p:spPr>
-              <a:xfrm>
-                <a:off x="3256680" y="5182340"/>
-                <a:ext cx="427553" cy="369332"/>
-              </a:xfrm>
-              <a:prstGeom prst="rect">
-                <a:avLst/>
-              </a:prstGeom>
-              <a:blipFill>
-                <a:blip r:embed="rId2"/>
-                <a:stretch>
-                  <a:fillRect/>
-                </a:stretch>
-              </a:blipFill>
-            </p:spPr>
-            <p:txBody>
-              <a:bodyPr/>
-              <a:lstStyle/>
-              <a:p>
-                <a:r>
-                  <a:rPr lang="ko-KR" altLang="en-US">
-                    <a:noFill/>
-                  </a:rPr>
-                  <a:t> </a:t>
-                </a:r>
-              </a:p>
-            </p:txBody>
-          </p:sp>
-        </mc:Fallback>
-      </mc:AlternateContent>
-      <mc:AlternateContent xmlns:mc="http://schemas.openxmlformats.org/markup-compatibility/2006">
-        <mc:Choice xmlns:a14="http://schemas.microsoft.com/office/drawing/2010/main" Requires="a14">
-          <p:sp>
-            <p:nvSpPr>
-              <p:cNvPr id="13" name="TextBox 12">
-                <a:extLst>
-                  <a:ext uri="{FF2B5EF4-FFF2-40B4-BE49-F238E27FC236}">
-                    <a16:creationId xmlns:a16="http://schemas.microsoft.com/office/drawing/2014/main" id="{9D411A5C-ECF4-49FD-B944-C4C406E79095}"/>
-                  </a:ext>
-                </a:extLst>
-              </p:cNvPr>
-              <p:cNvSpPr txBox="1"/>
-              <p:nvPr/>
-            </p:nvSpPr>
-            <p:spPr>
-              <a:xfrm>
-                <a:off x="8554402" y="5182340"/>
-                <a:ext cx="396840" cy="369332"/>
-              </a:xfrm>
-              <a:prstGeom prst="rect">
-                <a:avLst/>
-              </a:prstGeom>
-              <a:noFill/>
-            </p:spPr>
-            <p:txBody>
-              <a:bodyPr wrap="none" rtlCol="0">
-                <a:spAutoFit/>
-              </a:bodyPr>
-              <a:lstStyle/>
-              <a:p>
-                <a14:m>
-                  <m:oMathPara xmlns:m="http://schemas.openxmlformats.org/officeDocument/2006/math">
-                    <m:oMathParaPr>
-                      <m:jc m:val="centerGroup"/>
-                    </m:oMathParaPr>
-                    <m:oMath xmlns:m="http://schemas.openxmlformats.org/officeDocument/2006/math">
-                      <m:r>
-                        <a:rPr lang="en-US" altLang="ko-KR" b="0" i="1" smtClean="0">
-                          <a:latin typeface="Cambria Math" panose="02040503050406030204" pitchFamily="18" charset="0"/>
-                        </a:rPr>
-                        <m:t>𝑥</m:t>
-                      </m:r>
-                    </m:oMath>
-                  </m:oMathPara>
-                </a14:m>
-                <a:endParaRPr lang="ko-KR" altLang="en-US" dirty="0"/>
-              </a:p>
-            </p:txBody>
-          </p:sp>
-        </mc:Choice>
-        <mc:Fallback>
-          <p:sp>
-            <p:nvSpPr>
-              <p:cNvPr id="13" name="TextBox 12">
-                <a:extLst>
-                  <a:ext uri="{FF2B5EF4-FFF2-40B4-BE49-F238E27FC236}">
-                    <a16:creationId xmlns:a16="http://schemas.microsoft.com/office/drawing/2014/main" id="{9D411A5C-ECF4-49FD-B944-C4C406E79095}"/>
-                  </a:ext>
-                </a:extLst>
-              </p:cNvPr>
-              <p:cNvSpPr txBox="1">
-                <a:spLocks noRot="1" noChangeAspect="1" noMove="1" noResize="1" noEditPoints="1" noAdjustHandles="1" noChangeArrowheads="1" noChangeShapeType="1" noTextEdit="1"/>
-              </p:cNvSpPr>
-              <p:nvPr/>
-            </p:nvSpPr>
-            <p:spPr>
-              <a:xfrm>
-                <a:off x="8554402" y="5182340"/>
-                <a:ext cx="396840" cy="369332"/>
-              </a:xfrm>
-              <a:prstGeom prst="rect">
-                <a:avLst/>
-              </a:prstGeom>
-              <a:blipFill>
-                <a:blip r:embed="rId3"/>
-                <a:stretch>
-                  <a:fillRect/>
-                </a:stretch>
-              </a:blipFill>
-            </p:spPr>
-            <p:txBody>
-              <a:bodyPr/>
-              <a:lstStyle/>
-              <a:p>
-                <a:r>
-                  <a:rPr lang="ko-KR" altLang="en-US">
-                    <a:noFill/>
-                  </a:rPr>
-                  <a:t> </a:t>
-                </a:r>
-              </a:p>
-            </p:txBody>
-          </p:sp>
-        </mc:Fallback>
-      </mc:AlternateContent>
-      <mc:AlternateContent xmlns:mc="http://schemas.openxmlformats.org/markup-compatibility/2006">
-        <mc:Choice xmlns:a14="http://schemas.microsoft.com/office/drawing/2010/main" Requires="a14">
-          <p:sp>
-            <p:nvSpPr>
-              <p:cNvPr id="14" name="TextBox 13">
-                <a:extLst>
-                  <a:ext uri="{FF2B5EF4-FFF2-40B4-BE49-F238E27FC236}">
-                    <a16:creationId xmlns:a16="http://schemas.microsoft.com/office/drawing/2014/main" id="{48C7F401-E01B-4E28-8F74-3309329349AF}"/>
-                  </a:ext>
-                </a:extLst>
-              </p:cNvPr>
-              <p:cNvSpPr txBox="1"/>
-              <p:nvPr/>
-            </p:nvSpPr>
-            <p:spPr>
-              <a:xfrm>
-                <a:off x="3269792" y="1400453"/>
-                <a:ext cx="396840" cy="369332"/>
-              </a:xfrm>
-              <a:prstGeom prst="rect">
-                <a:avLst/>
-              </a:prstGeom>
-              <a:noFill/>
-            </p:spPr>
-            <p:txBody>
-              <a:bodyPr wrap="none" rtlCol="0">
-                <a:spAutoFit/>
-              </a:bodyPr>
-              <a:lstStyle/>
-              <a:p>
-                <a14:m>
-                  <m:oMathPara xmlns:m="http://schemas.openxmlformats.org/officeDocument/2006/math">
-                    <m:oMathParaPr>
-                      <m:jc m:val="centerGroup"/>
-                    </m:oMathParaPr>
-                    <m:oMath xmlns:m="http://schemas.openxmlformats.org/officeDocument/2006/math">
-                      <m:r>
-                        <a:rPr lang="en-US" altLang="ko-KR" b="0" i="1" smtClean="0">
-                          <a:latin typeface="Cambria Math" panose="02040503050406030204" pitchFamily="18" charset="0"/>
-                        </a:rPr>
-                        <m:t>𝑦</m:t>
-                      </m:r>
-                    </m:oMath>
-                  </m:oMathPara>
-                </a14:m>
-                <a:endParaRPr lang="ko-KR" altLang="en-US" dirty="0"/>
-              </a:p>
-            </p:txBody>
-          </p:sp>
-        </mc:Choice>
-        <mc:Fallback>
-          <p:sp>
-            <p:nvSpPr>
-              <p:cNvPr id="14" name="TextBox 13">
-                <a:extLst>
-                  <a:ext uri="{FF2B5EF4-FFF2-40B4-BE49-F238E27FC236}">
-                    <a16:creationId xmlns:a16="http://schemas.microsoft.com/office/drawing/2014/main" id="{48C7F401-E01B-4E28-8F74-3309329349AF}"/>
-                  </a:ext>
-                </a:extLst>
-              </p:cNvPr>
-              <p:cNvSpPr txBox="1">
-                <a:spLocks noRot="1" noChangeAspect="1" noMove="1" noResize="1" noEditPoints="1" noAdjustHandles="1" noChangeArrowheads="1" noChangeShapeType="1" noTextEdit="1"/>
-              </p:cNvSpPr>
-              <p:nvPr/>
-            </p:nvSpPr>
-            <p:spPr>
-              <a:xfrm>
-                <a:off x="3269792" y="1400453"/>
-                <a:ext cx="396840" cy="369332"/>
-              </a:xfrm>
-              <a:prstGeom prst="rect">
-                <a:avLst/>
-              </a:prstGeom>
-              <a:blipFill>
-                <a:blip r:embed="rId4"/>
-                <a:stretch>
-                  <a:fillRect b="-10000"/>
-                </a:stretch>
-              </a:blipFill>
-            </p:spPr>
-            <p:txBody>
-              <a:bodyPr/>
-              <a:lstStyle/>
-              <a:p>
-                <a:r>
-                  <a:rPr lang="ko-KR" altLang="en-US">
-                    <a:noFill/>
-                  </a:rPr>
-                  <a:t> </a:t>
-                </a:r>
-              </a:p>
-            </p:txBody>
-          </p:sp>
-        </mc:Fallback>
-      </mc:AlternateContent>
-      <p:cxnSp>
-        <p:nvCxnSpPr>
-          <p:cNvPr id="16" name="직선 화살표 연결선 15">
-            <a:extLst>
-              <a:ext uri="{FF2B5EF4-FFF2-40B4-BE49-F238E27FC236}">
-                <a16:creationId xmlns:a16="http://schemas.microsoft.com/office/drawing/2014/main" id="{A812138A-A7A5-4BC3-A87D-81CC82A8F63D}"/>
-              </a:ext>
-            </a:extLst>
-          </p:cNvPr>
-          <p:cNvCxnSpPr/>
-          <p:nvPr/>
-        </p:nvCxnSpPr>
-        <p:spPr>
-          <a:xfrm flipV="1">
-            <a:off x="3684233" y="4136994"/>
-            <a:ext cx="2716567" cy="1045346"/>
-          </a:xfrm>
-          <a:prstGeom prst="straightConnector1">
-            <a:avLst/>
-          </a:prstGeom>
-          <a:ln>
-            <a:tailEnd type="triangle"/>
-          </a:ln>
-        </p:spPr>
-        <p:style>
-          <a:lnRef idx="1">
-            <a:schemeClr val="accent1"/>
-          </a:lnRef>
-          <a:fillRef idx="0">
-            <a:schemeClr val="accent1"/>
-          </a:fillRef>
-          <a:effectRef idx="0">
-            <a:schemeClr val="accent1"/>
-          </a:effectRef>
-          <a:fontRef idx="minor">
-            <a:schemeClr val="tx1"/>
-          </a:fontRef>
-        </p:style>
-      </p:cxnSp>
-      <p:cxnSp>
-        <p:nvCxnSpPr>
-          <p:cNvPr id="18" name="직선 화살표 연결선 17">
-            <a:extLst>
-              <a:ext uri="{FF2B5EF4-FFF2-40B4-BE49-F238E27FC236}">
-                <a16:creationId xmlns:a16="http://schemas.microsoft.com/office/drawing/2014/main" id="{2874CB5F-867A-4B42-9BA9-70DEA794450E}"/>
-              </a:ext>
-            </a:extLst>
-          </p:cNvPr>
-          <p:cNvCxnSpPr/>
-          <p:nvPr/>
-        </p:nvCxnSpPr>
-        <p:spPr>
-          <a:xfrm flipV="1">
-            <a:off x="3701834" y="3124940"/>
-            <a:ext cx="1059199" cy="2057400"/>
-          </a:xfrm>
-          <a:prstGeom prst="straightConnector1">
-            <a:avLst/>
-          </a:prstGeom>
-          <a:ln>
-            <a:tailEnd type="triangle"/>
-          </a:ln>
-        </p:spPr>
-        <p:style>
-          <a:lnRef idx="1">
-            <a:schemeClr val="accent1"/>
-          </a:lnRef>
-          <a:fillRef idx="0">
-            <a:schemeClr val="accent1"/>
-          </a:fillRef>
-          <a:effectRef idx="0">
-            <a:schemeClr val="accent1"/>
-          </a:effectRef>
-          <a:fontRef idx="minor">
-            <a:schemeClr val="tx1"/>
-          </a:fontRef>
-        </p:style>
-      </p:cxnSp>
-      <mc:AlternateContent xmlns:mc="http://schemas.openxmlformats.org/markup-compatibility/2006">
-        <mc:Choice xmlns:a14="http://schemas.microsoft.com/office/drawing/2010/main" Requires="a14">
-          <p:sp>
-            <p:nvSpPr>
-              <p:cNvPr id="19" name="TextBox 18">
-                <a:extLst>
-                  <a:ext uri="{FF2B5EF4-FFF2-40B4-BE49-F238E27FC236}">
-                    <a16:creationId xmlns:a16="http://schemas.microsoft.com/office/drawing/2014/main" id="{07D2F5A4-3D78-44D5-A5FD-F35DD2AB918D}"/>
-                  </a:ext>
-                </a:extLst>
-              </p:cNvPr>
-              <p:cNvSpPr txBox="1"/>
-              <p:nvPr/>
-            </p:nvSpPr>
-            <p:spPr>
-              <a:xfrm>
-                <a:off x="6386314" y="4085393"/>
-                <a:ext cx="955518" cy="369332"/>
-              </a:xfrm>
-              <a:prstGeom prst="rect">
-                <a:avLst/>
-              </a:prstGeom>
-              <a:noFill/>
-            </p:spPr>
-            <p:txBody>
-              <a:bodyPr wrap="none" rtlCol="0">
-                <a:spAutoFit/>
-              </a:bodyPr>
-              <a:lstStyle/>
-              <a:p>
-                <a14:m>
-                  <m:oMathPara xmlns:m="http://schemas.openxmlformats.org/officeDocument/2006/math">
-                    <m:oMathParaPr>
-                      <m:jc m:val="centerGroup"/>
-                    </m:oMathParaPr>
-                    <m:oMath xmlns:m="http://schemas.openxmlformats.org/officeDocument/2006/math">
-                      <m:r>
-                        <a:rPr lang="en-US" altLang="ko-KR" b="0" i="1" smtClean="0">
-                          <a:latin typeface="Cambria Math" panose="02040503050406030204" pitchFamily="18" charset="0"/>
-                        </a:rPr>
-                        <m:t>𝑈</m:t>
-                      </m:r>
-                      <m:r>
-                        <a:rPr lang="en-US" altLang="ko-KR" b="0" i="1" smtClean="0">
-                          <a:latin typeface="Cambria Math" panose="02040503050406030204" pitchFamily="18" charset="0"/>
-                        </a:rPr>
-                        <m:t>(</m:t>
-                      </m:r>
-                      <m:r>
-                        <a:rPr lang="en-US" altLang="ko-KR" b="0" i="1" smtClean="0">
-                          <a:latin typeface="Cambria Math" panose="02040503050406030204" pitchFamily="18" charset="0"/>
-                        </a:rPr>
-                        <m:t>𝑎</m:t>
-                      </m:r>
-                      <m:r>
-                        <a:rPr lang="en-US" altLang="ko-KR" b="0" i="1" smtClean="0">
-                          <a:latin typeface="Cambria Math" panose="02040503050406030204" pitchFamily="18" charset="0"/>
-                        </a:rPr>
-                        <m:t>,</m:t>
-                      </m:r>
-                      <m:r>
-                        <a:rPr lang="en-US" altLang="ko-KR" b="0" i="1" smtClean="0">
-                          <a:latin typeface="Cambria Math" panose="02040503050406030204" pitchFamily="18" charset="0"/>
-                        </a:rPr>
-                        <m:t>𝑐</m:t>
-                      </m:r>
-                      <m:r>
-                        <a:rPr lang="en-US" altLang="ko-KR" b="0" i="1" smtClean="0">
-                          <a:latin typeface="Cambria Math" panose="02040503050406030204" pitchFamily="18" charset="0"/>
-                        </a:rPr>
-                        <m:t>)</m:t>
-                      </m:r>
-                    </m:oMath>
-                  </m:oMathPara>
-                </a14:m>
-                <a:endParaRPr lang="ko-KR" altLang="en-US" dirty="0"/>
-              </a:p>
-            </p:txBody>
-          </p:sp>
-        </mc:Choice>
-        <mc:Fallback>
-          <p:sp>
-            <p:nvSpPr>
-              <p:cNvPr id="19" name="TextBox 18">
-                <a:extLst>
-                  <a:ext uri="{FF2B5EF4-FFF2-40B4-BE49-F238E27FC236}">
-                    <a16:creationId xmlns:a16="http://schemas.microsoft.com/office/drawing/2014/main" id="{07D2F5A4-3D78-44D5-A5FD-F35DD2AB918D}"/>
-                  </a:ext>
-                </a:extLst>
-              </p:cNvPr>
-              <p:cNvSpPr txBox="1">
-                <a:spLocks noRot="1" noChangeAspect="1" noMove="1" noResize="1" noEditPoints="1" noAdjustHandles="1" noChangeArrowheads="1" noChangeShapeType="1" noTextEdit="1"/>
-              </p:cNvSpPr>
-              <p:nvPr/>
-            </p:nvSpPr>
-            <p:spPr>
-              <a:xfrm>
-                <a:off x="6386314" y="4085393"/>
-                <a:ext cx="955518" cy="369332"/>
-              </a:xfrm>
-              <a:prstGeom prst="rect">
-                <a:avLst/>
-              </a:prstGeom>
-              <a:blipFill>
-                <a:blip r:embed="rId5"/>
-                <a:stretch>
-                  <a:fillRect b="-16393"/>
-                </a:stretch>
-              </a:blipFill>
-            </p:spPr>
-            <p:txBody>
-              <a:bodyPr/>
-              <a:lstStyle/>
-              <a:p>
-                <a:r>
-                  <a:rPr lang="ko-KR" altLang="en-US">
-                    <a:noFill/>
-                  </a:rPr>
-                  <a:t> </a:t>
-                </a:r>
-              </a:p>
-            </p:txBody>
-          </p:sp>
-        </mc:Fallback>
-      </mc:AlternateContent>
-      <p:cxnSp>
-        <p:nvCxnSpPr>
-          <p:cNvPr id="11" name="직선 화살표 연결선 10">
-            <a:extLst>
-              <a:ext uri="{FF2B5EF4-FFF2-40B4-BE49-F238E27FC236}">
-                <a16:creationId xmlns:a16="http://schemas.microsoft.com/office/drawing/2014/main" id="{419C49E0-B246-48FC-86DA-41BDCDA308FC}"/>
-              </a:ext>
-            </a:extLst>
-          </p:cNvPr>
-          <p:cNvCxnSpPr/>
-          <p:nvPr/>
-        </p:nvCxnSpPr>
-        <p:spPr>
-          <a:xfrm flipV="1">
-            <a:off x="4757918" y="2079594"/>
-            <a:ext cx="2716567" cy="1045346"/>
-          </a:xfrm>
-          <a:prstGeom prst="straightConnector1">
-            <a:avLst/>
-          </a:prstGeom>
-          <a:ln>
-            <a:tailEnd type="triangle"/>
-          </a:ln>
-        </p:spPr>
-        <p:style>
-          <a:lnRef idx="1">
-            <a:schemeClr val="accent1"/>
-          </a:lnRef>
-          <a:fillRef idx="0">
-            <a:schemeClr val="accent1"/>
-          </a:fillRef>
-          <a:effectRef idx="0">
-            <a:schemeClr val="accent1"/>
-          </a:effectRef>
-          <a:fontRef idx="minor">
-            <a:schemeClr val="tx1"/>
-          </a:fontRef>
-        </p:style>
-      </p:cxnSp>
-      <p:cxnSp>
-        <p:nvCxnSpPr>
-          <p:cNvPr id="15" name="직선 화살표 연결선 14">
-            <a:extLst>
-              <a:ext uri="{FF2B5EF4-FFF2-40B4-BE49-F238E27FC236}">
-                <a16:creationId xmlns:a16="http://schemas.microsoft.com/office/drawing/2014/main" id="{2704D4E8-A2BC-4A39-93FC-1F27991D7254}"/>
-              </a:ext>
-            </a:extLst>
-          </p:cNvPr>
-          <p:cNvCxnSpPr/>
-          <p:nvPr/>
-        </p:nvCxnSpPr>
-        <p:spPr>
-          <a:xfrm flipV="1">
-            <a:off x="6400800" y="2077174"/>
-            <a:ext cx="1059199" cy="2057400"/>
-          </a:xfrm>
-          <a:prstGeom prst="straightConnector1">
-            <a:avLst/>
-          </a:prstGeom>
-          <a:ln>
-            <a:tailEnd type="triangle"/>
-          </a:ln>
-        </p:spPr>
-        <p:style>
-          <a:lnRef idx="1">
-            <a:schemeClr val="accent1"/>
-          </a:lnRef>
-          <a:fillRef idx="0">
-            <a:schemeClr val="accent1"/>
-          </a:fillRef>
-          <a:effectRef idx="0">
-            <a:schemeClr val="accent1"/>
-          </a:effectRef>
-          <a:fontRef idx="minor">
-            <a:schemeClr val="tx1"/>
-          </a:fontRef>
-        </p:style>
-      </p:cxnSp>
-      <mc:AlternateContent xmlns:mc="http://schemas.openxmlformats.org/markup-compatibility/2006">
-        <mc:Choice xmlns:a14="http://schemas.microsoft.com/office/drawing/2010/main" Requires="a14">
-          <p:sp>
-            <p:nvSpPr>
-              <p:cNvPr id="17" name="TextBox 16">
-                <a:extLst>
-                  <a:ext uri="{FF2B5EF4-FFF2-40B4-BE49-F238E27FC236}">
-                    <a16:creationId xmlns:a16="http://schemas.microsoft.com/office/drawing/2014/main" id="{BFBD7388-3771-4B25-A712-D4E905859435}"/>
-                  </a:ext>
-                </a:extLst>
-              </p:cNvPr>
-              <p:cNvSpPr txBox="1"/>
-              <p:nvPr/>
-            </p:nvSpPr>
-            <p:spPr>
-              <a:xfrm>
-                <a:off x="4091965" y="2708546"/>
-                <a:ext cx="967381" cy="369332"/>
-              </a:xfrm>
-              <a:prstGeom prst="rect">
-                <a:avLst/>
-              </a:prstGeom>
-              <a:noFill/>
-            </p:spPr>
-            <p:txBody>
-              <a:bodyPr wrap="none" rtlCol="0">
-                <a:spAutoFit/>
-              </a:bodyPr>
-              <a:lstStyle/>
-              <a:p>
-                <a14:m>
-                  <m:oMathPara xmlns:m="http://schemas.openxmlformats.org/officeDocument/2006/math">
-                    <m:oMathParaPr>
-                      <m:jc m:val="centerGroup"/>
-                    </m:oMathParaPr>
-                    <m:oMath xmlns:m="http://schemas.openxmlformats.org/officeDocument/2006/math">
-                      <m:r>
-                        <a:rPr lang="en-US" altLang="ko-KR" b="0" i="1" smtClean="0">
-                          <a:latin typeface="Cambria Math" panose="02040503050406030204" pitchFamily="18" charset="0"/>
-                        </a:rPr>
-                        <m:t>𝑉</m:t>
-                      </m:r>
-                      <m:r>
-                        <a:rPr lang="en-US" altLang="ko-KR" b="0" i="1" smtClean="0">
-                          <a:latin typeface="Cambria Math" panose="02040503050406030204" pitchFamily="18" charset="0"/>
-                        </a:rPr>
-                        <m:t>(</m:t>
-                      </m:r>
-                      <m:r>
-                        <a:rPr lang="en-US" altLang="ko-KR" b="0" i="1" smtClean="0">
-                          <a:latin typeface="Cambria Math" panose="02040503050406030204" pitchFamily="18" charset="0"/>
-                        </a:rPr>
-                        <m:t>𝑏</m:t>
-                      </m:r>
-                      <m:r>
-                        <a:rPr lang="en-US" altLang="ko-KR" b="0" i="1" smtClean="0">
-                          <a:latin typeface="Cambria Math" panose="02040503050406030204" pitchFamily="18" charset="0"/>
-                        </a:rPr>
-                        <m:t>,</m:t>
-                      </m:r>
-                      <m:r>
-                        <a:rPr lang="en-US" altLang="ko-KR" b="0" i="1" smtClean="0">
-                          <a:latin typeface="Cambria Math" panose="02040503050406030204" pitchFamily="18" charset="0"/>
-                        </a:rPr>
-                        <m:t>𝑑</m:t>
-                      </m:r>
-                      <m:r>
-                        <a:rPr lang="en-US" altLang="ko-KR" b="0" i="1" smtClean="0">
-                          <a:latin typeface="Cambria Math" panose="02040503050406030204" pitchFamily="18" charset="0"/>
-                        </a:rPr>
-                        <m:t>)</m:t>
-                      </m:r>
-                    </m:oMath>
-                  </m:oMathPara>
-                </a14:m>
-                <a:endParaRPr lang="ko-KR" altLang="en-US" dirty="0"/>
-              </a:p>
-            </p:txBody>
-          </p:sp>
-        </mc:Choice>
-        <mc:Fallback>
-          <p:sp>
-            <p:nvSpPr>
-              <p:cNvPr id="17" name="TextBox 16">
-                <a:extLst>
-                  <a:ext uri="{FF2B5EF4-FFF2-40B4-BE49-F238E27FC236}">
-                    <a16:creationId xmlns:a16="http://schemas.microsoft.com/office/drawing/2014/main" id="{BFBD7388-3771-4B25-A712-D4E905859435}"/>
-                  </a:ext>
-                </a:extLst>
-              </p:cNvPr>
-              <p:cNvSpPr txBox="1">
-                <a:spLocks noRot="1" noChangeAspect="1" noMove="1" noResize="1" noEditPoints="1" noAdjustHandles="1" noChangeArrowheads="1" noChangeShapeType="1" noTextEdit="1"/>
-              </p:cNvSpPr>
-              <p:nvPr/>
-            </p:nvSpPr>
-            <p:spPr>
-              <a:xfrm>
-                <a:off x="4091965" y="2708546"/>
-                <a:ext cx="967381" cy="369332"/>
-              </a:xfrm>
-              <a:prstGeom prst="rect">
-                <a:avLst/>
-              </a:prstGeom>
-              <a:blipFill>
-                <a:blip r:embed="rId6"/>
-                <a:stretch>
-                  <a:fillRect b="-16393"/>
-                </a:stretch>
-              </a:blipFill>
-            </p:spPr>
-            <p:txBody>
-              <a:bodyPr/>
-              <a:lstStyle/>
-              <a:p>
-                <a:r>
-                  <a:rPr lang="ko-KR" altLang="en-US">
-                    <a:noFill/>
-                  </a:rPr>
-                  <a:t> </a:t>
-                </a:r>
-              </a:p>
-            </p:txBody>
-          </p:sp>
-        </mc:Fallback>
-      </mc:AlternateContent>
-      <p:cxnSp>
-        <p:nvCxnSpPr>
-          <p:cNvPr id="3" name="직선 연결선 2">
-            <a:extLst>
-              <a:ext uri="{FF2B5EF4-FFF2-40B4-BE49-F238E27FC236}">
-                <a16:creationId xmlns:a16="http://schemas.microsoft.com/office/drawing/2014/main" id="{828D8B42-F291-4526-B90D-E2D23EB9F846}"/>
-              </a:ext>
-            </a:extLst>
-          </p:cNvPr>
-          <p:cNvCxnSpPr>
-            <a:cxnSpLocks/>
-          </p:cNvCxnSpPr>
-          <p:nvPr/>
-        </p:nvCxnSpPr>
-        <p:spPr>
-          <a:xfrm flipH="1">
-            <a:off x="3701834" y="3124940"/>
-            <a:ext cx="2694005" cy="0"/>
-          </a:xfrm>
-          <a:prstGeom prst="line">
-            <a:avLst/>
-          </a:prstGeom>
-          <a:ln w="19050">
-            <a:solidFill>
-              <a:srgbClr val="FF0000"/>
-            </a:solidFill>
-            <a:prstDash val="lgDash"/>
-          </a:ln>
-        </p:spPr>
-        <p:style>
-          <a:lnRef idx="1">
-            <a:schemeClr val="accent1"/>
-          </a:lnRef>
-          <a:fillRef idx="0">
-            <a:schemeClr val="accent1"/>
-          </a:fillRef>
-          <a:effectRef idx="0">
-            <a:schemeClr val="accent1"/>
-          </a:effectRef>
-          <a:fontRef idx="minor">
-            <a:schemeClr val="tx1"/>
-          </a:fontRef>
-        </p:style>
-      </p:cxnSp>
-      <p:cxnSp>
-        <p:nvCxnSpPr>
-          <p:cNvPr id="6" name="직선 연결선 5">
-            <a:extLst>
-              <a:ext uri="{FF2B5EF4-FFF2-40B4-BE49-F238E27FC236}">
-                <a16:creationId xmlns:a16="http://schemas.microsoft.com/office/drawing/2014/main" id="{20C0E083-EE0C-4418-85BC-1A4E621283CC}"/>
-              </a:ext>
-            </a:extLst>
-          </p:cNvPr>
-          <p:cNvCxnSpPr>
-            <a:cxnSpLocks/>
-          </p:cNvCxnSpPr>
-          <p:nvPr/>
-        </p:nvCxnSpPr>
-        <p:spPr>
-          <a:xfrm>
-            <a:off x="6395839" y="3124940"/>
-            <a:ext cx="0" cy="2057400"/>
-          </a:xfrm>
-          <a:prstGeom prst="line">
-            <a:avLst/>
-          </a:prstGeom>
-          <a:ln w="19050">
-            <a:solidFill>
-              <a:srgbClr val="FF0000"/>
-            </a:solidFill>
-            <a:prstDash val="lgDash"/>
-          </a:ln>
-        </p:spPr>
-        <p:style>
-          <a:lnRef idx="1">
-            <a:schemeClr val="accent1"/>
-          </a:lnRef>
-          <a:fillRef idx="0">
-            <a:schemeClr val="accent1"/>
-          </a:fillRef>
-          <a:effectRef idx="0">
-            <a:schemeClr val="accent1"/>
-          </a:effectRef>
-          <a:fontRef idx="minor">
-            <a:schemeClr val="tx1"/>
-          </a:fontRef>
-        </p:style>
-      </p:cxnSp>
-      <mc:AlternateContent xmlns:mc="http://schemas.openxmlformats.org/markup-compatibility/2006">
-        <mc:Choice xmlns:a14="http://schemas.microsoft.com/office/drawing/2010/main" Requires="a14">
-          <p:sp>
-            <p:nvSpPr>
-              <p:cNvPr id="21" name="TextBox 20">
-                <a:extLst>
-                  <a:ext uri="{FF2B5EF4-FFF2-40B4-BE49-F238E27FC236}">
-                    <a16:creationId xmlns:a16="http://schemas.microsoft.com/office/drawing/2014/main" id="{BFDF1A0F-77F2-422A-AC50-7C9157DB42A7}"/>
-                  </a:ext>
-                </a:extLst>
-              </p:cNvPr>
-              <p:cNvSpPr txBox="1"/>
-              <p:nvPr/>
-            </p:nvSpPr>
-            <p:spPr>
-              <a:xfrm>
-                <a:off x="5908555" y="2758412"/>
-                <a:ext cx="981807" cy="369332"/>
-              </a:xfrm>
-              <a:prstGeom prst="rect">
-                <a:avLst/>
-              </a:prstGeom>
-              <a:noFill/>
-            </p:spPr>
-            <p:txBody>
-              <a:bodyPr wrap="none" rtlCol="0">
-                <a:spAutoFit/>
-              </a:bodyPr>
-              <a:lstStyle/>
-              <a:p>
-                <a14:m>
-                  <m:oMathPara xmlns:m="http://schemas.openxmlformats.org/officeDocument/2006/math">
-                    <m:oMathParaPr>
-                      <m:jc m:val="centerGroup"/>
-                    </m:oMathParaPr>
-                    <m:oMath xmlns:m="http://schemas.openxmlformats.org/officeDocument/2006/math">
-                      <m:r>
-                        <a:rPr lang="en-US" altLang="ko-KR" b="0" i="1" smtClean="0">
-                          <a:latin typeface="Cambria Math" panose="02040503050406030204" pitchFamily="18" charset="0"/>
-                        </a:rPr>
-                        <m:t>𝑄</m:t>
-                      </m:r>
-                      <m:r>
-                        <a:rPr lang="en-US" altLang="ko-KR" b="0" i="1" smtClean="0">
-                          <a:latin typeface="Cambria Math" panose="02040503050406030204" pitchFamily="18" charset="0"/>
-                        </a:rPr>
-                        <m:t>(</m:t>
-                      </m:r>
-                      <m:r>
-                        <a:rPr lang="en-US" altLang="ko-KR" b="0" i="1" smtClean="0">
-                          <a:latin typeface="Cambria Math" panose="02040503050406030204" pitchFamily="18" charset="0"/>
-                        </a:rPr>
-                        <m:t>𝑎</m:t>
-                      </m:r>
-                      <m:r>
-                        <a:rPr lang="en-US" altLang="ko-KR" b="0" i="1" smtClean="0">
-                          <a:latin typeface="Cambria Math" panose="02040503050406030204" pitchFamily="18" charset="0"/>
-                        </a:rPr>
-                        <m:t>,</m:t>
-                      </m:r>
-                      <m:r>
-                        <a:rPr lang="en-US" altLang="ko-KR" b="0" i="1" smtClean="0">
-                          <a:latin typeface="Cambria Math" panose="02040503050406030204" pitchFamily="18" charset="0"/>
-                        </a:rPr>
-                        <m:t>𝑑</m:t>
-                      </m:r>
-                      <m:r>
-                        <a:rPr lang="en-US" altLang="ko-KR" b="0" i="1" smtClean="0">
-                          <a:latin typeface="Cambria Math" panose="02040503050406030204" pitchFamily="18" charset="0"/>
-                        </a:rPr>
-                        <m:t>)</m:t>
-                      </m:r>
-                    </m:oMath>
-                  </m:oMathPara>
-                </a14:m>
-                <a:endParaRPr lang="ko-KR" altLang="en-US" dirty="0"/>
-              </a:p>
-            </p:txBody>
-          </p:sp>
-        </mc:Choice>
-        <mc:Fallback>
-          <p:sp>
-            <p:nvSpPr>
-              <p:cNvPr id="21" name="TextBox 20">
-                <a:extLst>
-                  <a:ext uri="{FF2B5EF4-FFF2-40B4-BE49-F238E27FC236}">
-                    <a16:creationId xmlns:a16="http://schemas.microsoft.com/office/drawing/2014/main" id="{BFDF1A0F-77F2-422A-AC50-7C9157DB42A7}"/>
-                  </a:ext>
-                </a:extLst>
-              </p:cNvPr>
-              <p:cNvSpPr txBox="1">
-                <a:spLocks noRot="1" noChangeAspect="1" noMove="1" noResize="1" noEditPoints="1" noAdjustHandles="1" noChangeArrowheads="1" noChangeShapeType="1" noTextEdit="1"/>
-              </p:cNvSpPr>
-              <p:nvPr/>
-            </p:nvSpPr>
-            <p:spPr>
-              <a:xfrm>
-                <a:off x="5908555" y="2758412"/>
-                <a:ext cx="981807" cy="369332"/>
-              </a:xfrm>
-              <a:prstGeom prst="rect">
-                <a:avLst/>
-              </a:prstGeom>
-              <a:blipFill>
-                <a:blip r:embed="rId7"/>
-                <a:stretch>
-                  <a:fillRect b="-16393"/>
-                </a:stretch>
-              </a:blipFill>
-            </p:spPr>
-            <p:txBody>
-              <a:bodyPr/>
-              <a:lstStyle/>
-              <a:p>
-                <a:r>
-                  <a:rPr lang="ko-KR" altLang="en-US">
-                    <a:noFill/>
-                  </a:rPr>
-                  <a:t> </a:t>
-                </a:r>
-              </a:p>
-            </p:txBody>
-          </p:sp>
-        </mc:Fallback>
-      </mc:AlternateContent>
-      <mc:AlternateContent xmlns:mc="http://schemas.openxmlformats.org/markup-compatibility/2006">
-        <mc:Choice xmlns:a14="http://schemas.microsoft.com/office/drawing/2010/main" Requires="a14">
-          <p:sp>
-            <p:nvSpPr>
-              <p:cNvPr id="22" name="TextBox 21">
-                <a:extLst>
-                  <a:ext uri="{FF2B5EF4-FFF2-40B4-BE49-F238E27FC236}">
-                    <a16:creationId xmlns:a16="http://schemas.microsoft.com/office/drawing/2014/main" id="{F55DF703-6C64-478C-BED1-3E6215EC6F37}"/>
-                  </a:ext>
-                </a:extLst>
-              </p:cNvPr>
-              <p:cNvSpPr txBox="1"/>
-              <p:nvPr/>
-            </p:nvSpPr>
-            <p:spPr>
-              <a:xfrm>
-                <a:off x="7175461" y="1723055"/>
-                <a:ext cx="1762342" cy="369332"/>
-              </a:xfrm>
-              <a:prstGeom prst="rect">
-                <a:avLst/>
-              </a:prstGeom>
-              <a:noFill/>
-            </p:spPr>
-            <p:txBody>
-              <a:bodyPr wrap="none" rtlCol="0">
-                <a:spAutoFit/>
-              </a:bodyPr>
-              <a:lstStyle/>
-              <a:p>
-                <a14:m>
-                  <m:oMathPara xmlns:m="http://schemas.openxmlformats.org/officeDocument/2006/math">
-                    <m:oMathParaPr>
-                      <m:jc m:val="centerGroup"/>
-                    </m:oMathParaPr>
-                    <m:oMath xmlns:m="http://schemas.openxmlformats.org/officeDocument/2006/math">
-                      <m:r>
-                        <a:rPr lang="en-US" altLang="ko-KR" b="0" i="1" smtClean="0">
-                          <a:latin typeface="Cambria Math" panose="02040503050406030204" pitchFamily="18" charset="0"/>
-                        </a:rPr>
-                        <m:t>𝐴</m:t>
-                      </m:r>
-                      <m:r>
-                        <a:rPr lang="en-US" altLang="ko-KR" b="0" i="1" smtClean="0">
-                          <a:latin typeface="Cambria Math" panose="02040503050406030204" pitchFamily="18" charset="0"/>
-                        </a:rPr>
-                        <m:t>(</m:t>
-                      </m:r>
-                      <m:r>
-                        <a:rPr lang="en-US" altLang="ko-KR" b="0" i="1" smtClean="0">
-                          <a:latin typeface="Cambria Math" panose="02040503050406030204" pitchFamily="18" charset="0"/>
-                        </a:rPr>
-                        <m:t>𝑎</m:t>
-                      </m:r>
-                      <m:r>
-                        <a:rPr lang="en-US" altLang="ko-KR" b="0" i="1" smtClean="0">
-                          <a:latin typeface="Cambria Math" panose="02040503050406030204" pitchFamily="18" charset="0"/>
-                        </a:rPr>
-                        <m:t>+</m:t>
-                      </m:r>
-                      <m:r>
-                        <a:rPr lang="en-US" altLang="ko-KR" b="0" i="1" smtClean="0">
-                          <a:latin typeface="Cambria Math" panose="02040503050406030204" pitchFamily="18" charset="0"/>
-                        </a:rPr>
-                        <m:t>𝑏</m:t>
-                      </m:r>
-                      <m:r>
-                        <a:rPr lang="en-US" altLang="ko-KR" b="0" i="1" smtClean="0">
-                          <a:latin typeface="Cambria Math" panose="02040503050406030204" pitchFamily="18" charset="0"/>
-                        </a:rPr>
-                        <m:t>,</m:t>
-                      </m:r>
-                      <m:r>
-                        <a:rPr lang="en-US" altLang="ko-KR" b="0" i="1" smtClean="0">
-                          <a:latin typeface="Cambria Math" panose="02040503050406030204" pitchFamily="18" charset="0"/>
-                        </a:rPr>
-                        <m:t>𝑐</m:t>
-                      </m:r>
-                      <m:r>
-                        <a:rPr lang="en-US" altLang="ko-KR" b="0" i="1" smtClean="0">
-                          <a:latin typeface="Cambria Math" panose="02040503050406030204" pitchFamily="18" charset="0"/>
-                        </a:rPr>
-                        <m:t>+</m:t>
-                      </m:r>
-                      <m:r>
-                        <a:rPr lang="en-US" altLang="ko-KR" b="0" i="1" smtClean="0">
-                          <a:latin typeface="Cambria Math" panose="02040503050406030204" pitchFamily="18" charset="0"/>
-                        </a:rPr>
-                        <m:t>𝑑</m:t>
-                      </m:r>
-                      <m:r>
-                        <a:rPr lang="en-US" altLang="ko-KR" b="0" i="1" smtClean="0">
-                          <a:latin typeface="Cambria Math" panose="02040503050406030204" pitchFamily="18" charset="0"/>
-                        </a:rPr>
-                        <m:t>)</m:t>
-                      </m:r>
-                    </m:oMath>
-                  </m:oMathPara>
-                </a14:m>
-                <a:endParaRPr lang="ko-KR" altLang="en-US" dirty="0"/>
-              </a:p>
-            </p:txBody>
-          </p:sp>
-        </mc:Choice>
-        <mc:Fallback>
-          <p:sp>
-            <p:nvSpPr>
-              <p:cNvPr id="22" name="TextBox 21">
-                <a:extLst>
-                  <a:ext uri="{FF2B5EF4-FFF2-40B4-BE49-F238E27FC236}">
-                    <a16:creationId xmlns:a16="http://schemas.microsoft.com/office/drawing/2014/main" id="{F55DF703-6C64-478C-BED1-3E6215EC6F37}"/>
-                  </a:ext>
-                </a:extLst>
-              </p:cNvPr>
-              <p:cNvSpPr txBox="1">
-                <a:spLocks noRot="1" noChangeAspect="1" noMove="1" noResize="1" noEditPoints="1" noAdjustHandles="1" noChangeArrowheads="1" noChangeShapeType="1" noTextEdit="1"/>
-              </p:cNvSpPr>
-              <p:nvPr/>
-            </p:nvSpPr>
-            <p:spPr>
-              <a:xfrm>
-                <a:off x="7175461" y="1723055"/>
-                <a:ext cx="1762342" cy="369332"/>
-              </a:xfrm>
-              <a:prstGeom prst="rect">
-                <a:avLst/>
-              </a:prstGeom>
-              <a:blipFill>
-                <a:blip r:embed="rId8"/>
-                <a:stretch>
-                  <a:fillRect b="-16667"/>
-                </a:stretch>
-              </a:blipFill>
-            </p:spPr>
-            <p:txBody>
-              <a:bodyPr/>
-              <a:lstStyle/>
-              <a:p>
-                <a:r>
-                  <a:rPr lang="ko-KR" altLang="en-US">
-                    <a:noFill/>
-                  </a:rPr>
-                  <a:t> </a:t>
-                </a:r>
-              </a:p>
-            </p:txBody>
-          </p:sp>
-        </mc:Fallback>
-      </mc:AlternateContent>
-      <mc:AlternateContent xmlns:mc="http://schemas.openxmlformats.org/markup-compatibility/2006">
-        <mc:Choice xmlns:a14="http://schemas.microsoft.com/office/drawing/2010/main" Requires="a14">
-          <p:sp>
-            <p:nvSpPr>
-              <p:cNvPr id="23" name="TextBox 22">
-                <a:extLst>
-                  <a:ext uri="{FF2B5EF4-FFF2-40B4-BE49-F238E27FC236}">
-                    <a16:creationId xmlns:a16="http://schemas.microsoft.com/office/drawing/2014/main" id="{EE131AE7-C2EA-4BAC-ACFE-B4D19F14F351}"/>
-                  </a:ext>
-                </a:extLst>
-              </p:cNvPr>
-              <p:cNvSpPr txBox="1"/>
-              <p:nvPr/>
-            </p:nvSpPr>
-            <p:spPr>
-              <a:xfrm>
-                <a:off x="2764745" y="2909794"/>
-                <a:ext cx="967381" cy="369332"/>
-              </a:xfrm>
-              <a:prstGeom prst="rect">
-                <a:avLst/>
-              </a:prstGeom>
-              <a:noFill/>
-            </p:spPr>
-            <p:txBody>
-              <a:bodyPr wrap="none" rtlCol="0">
-                <a:spAutoFit/>
-              </a:bodyPr>
-              <a:lstStyle/>
-              <a:p>
-                <a14:m>
-                  <m:oMathPara xmlns:m="http://schemas.openxmlformats.org/officeDocument/2006/math">
-                    <m:oMathParaPr>
-                      <m:jc m:val="centerGroup"/>
-                    </m:oMathParaPr>
-                    <m:oMath xmlns:m="http://schemas.openxmlformats.org/officeDocument/2006/math">
-                      <m:r>
-                        <a:rPr lang="en-US" altLang="ko-KR" b="0" i="1" smtClean="0">
-                          <a:latin typeface="Cambria Math" panose="02040503050406030204" pitchFamily="18" charset="0"/>
-                        </a:rPr>
-                        <m:t>𝑃</m:t>
-                      </m:r>
-                      <m:r>
-                        <a:rPr lang="en-US" altLang="ko-KR" b="0" i="1" smtClean="0">
-                          <a:latin typeface="Cambria Math" panose="02040503050406030204" pitchFamily="18" charset="0"/>
-                        </a:rPr>
-                        <m:t>(0,</m:t>
-                      </m:r>
-                      <m:r>
-                        <a:rPr lang="en-US" altLang="ko-KR" b="0" i="1" smtClean="0">
-                          <a:latin typeface="Cambria Math" panose="02040503050406030204" pitchFamily="18" charset="0"/>
-                        </a:rPr>
-                        <m:t>𝑑</m:t>
-                      </m:r>
-                      <m:r>
-                        <a:rPr lang="en-US" altLang="ko-KR" b="0" i="1" smtClean="0">
-                          <a:latin typeface="Cambria Math" panose="02040503050406030204" pitchFamily="18" charset="0"/>
-                        </a:rPr>
-                        <m:t>)</m:t>
-                      </m:r>
-                    </m:oMath>
-                  </m:oMathPara>
-                </a14:m>
-                <a:endParaRPr lang="ko-KR" altLang="en-US" dirty="0"/>
-              </a:p>
-            </p:txBody>
-          </p:sp>
-        </mc:Choice>
-        <mc:Fallback>
-          <p:sp>
-            <p:nvSpPr>
-              <p:cNvPr id="23" name="TextBox 22">
-                <a:extLst>
-                  <a:ext uri="{FF2B5EF4-FFF2-40B4-BE49-F238E27FC236}">
-                    <a16:creationId xmlns:a16="http://schemas.microsoft.com/office/drawing/2014/main" id="{EE131AE7-C2EA-4BAC-ACFE-B4D19F14F351}"/>
-                  </a:ext>
-                </a:extLst>
-              </p:cNvPr>
-              <p:cNvSpPr txBox="1">
-                <a:spLocks noRot="1" noChangeAspect="1" noMove="1" noResize="1" noEditPoints="1" noAdjustHandles="1" noChangeArrowheads="1" noChangeShapeType="1" noTextEdit="1"/>
-              </p:cNvSpPr>
-              <p:nvPr/>
-            </p:nvSpPr>
-            <p:spPr>
-              <a:xfrm>
-                <a:off x="2764745" y="2909794"/>
-                <a:ext cx="967381" cy="369332"/>
-              </a:xfrm>
-              <a:prstGeom prst="rect">
-                <a:avLst/>
-              </a:prstGeom>
-              <a:blipFill>
-                <a:blip r:embed="rId9"/>
-                <a:stretch>
-                  <a:fillRect b="-16393"/>
-                </a:stretch>
-              </a:blipFill>
-            </p:spPr>
-            <p:txBody>
-              <a:bodyPr/>
-              <a:lstStyle/>
-              <a:p>
-                <a:r>
-                  <a:rPr lang="ko-KR" altLang="en-US">
-                    <a:noFill/>
-                  </a:rPr>
-                  <a:t> </a:t>
-                </a:r>
-              </a:p>
-            </p:txBody>
-          </p:sp>
-        </mc:Fallback>
-      </mc:AlternateContent>
-      <mc:AlternateContent xmlns:mc="http://schemas.openxmlformats.org/markup-compatibility/2006">
-        <mc:Choice xmlns:a14="http://schemas.microsoft.com/office/drawing/2010/main" Requires="a14">
-          <p:sp>
-            <p:nvSpPr>
-              <p:cNvPr id="24" name="TextBox 23">
-                <a:extLst>
-                  <a:ext uri="{FF2B5EF4-FFF2-40B4-BE49-F238E27FC236}">
-                    <a16:creationId xmlns:a16="http://schemas.microsoft.com/office/drawing/2014/main" id="{8FFDF607-BC9B-467B-996F-9F85F1340240}"/>
-                  </a:ext>
-                </a:extLst>
-              </p:cNvPr>
-              <p:cNvSpPr txBox="1"/>
-              <p:nvPr/>
-            </p:nvSpPr>
-            <p:spPr>
-              <a:xfrm>
-                <a:off x="5914035" y="5179920"/>
-                <a:ext cx="961674" cy="369332"/>
-              </a:xfrm>
-              <a:prstGeom prst="rect">
-                <a:avLst/>
-              </a:prstGeom>
-              <a:noFill/>
-            </p:spPr>
-            <p:txBody>
-              <a:bodyPr wrap="none" rtlCol="0">
-                <a:spAutoFit/>
-              </a:bodyPr>
-              <a:lstStyle/>
-              <a:p>
-                <a14:m>
-                  <m:oMathPara xmlns:m="http://schemas.openxmlformats.org/officeDocument/2006/math">
-                    <m:oMathParaPr>
-                      <m:jc m:val="centerGroup"/>
-                    </m:oMathParaPr>
-                    <m:oMath xmlns:m="http://schemas.openxmlformats.org/officeDocument/2006/math">
-                      <m:r>
-                        <a:rPr lang="en-US" altLang="ko-KR" b="0" i="1" smtClean="0">
-                          <a:latin typeface="Cambria Math" panose="02040503050406030204" pitchFamily="18" charset="0"/>
-                        </a:rPr>
-                        <m:t>𝑅</m:t>
-                      </m:r>
-                      <m:r>
-                        <a:rPr lang="en-US" altLang="ko-KR" b="0" i="1" smtClean="0">
-                          <a:latin typeface="Cambria Math" panose="02040503050406030204" pitchFamily="18" charset="0"/>
-                        </a:rPr>
-                        <m:t>(</m:t>
-                      </m:r>
-                      <m:r>
-                        <a:rPr lang="en-US" altLang="ko-KR" b="0" i="1" smtClean="0">
-                          <a:latin typeface="Cambria Math" panose="02040503050406030204" pitchFamily="18" charset="0"/>
-                        </a:rPr>
-                        <m:t>𝑎</m:t>
-                      </m:r>
-                      <m:r>
-                        <a:rPr lang="en-US" altLang="ko-KR" b="0" i="1" smtClean="0">
-                          <a:latin typeface="Cambria Math" panose="02040503050406030204" pitchFamily="18" charset="0"/>
-                        </a:rPr>
-                        <m:t>,0)</m:t>
-                      </m:r>
-                    </m:oMath>
-                  </m:oMathPara>
-                </a14:m>
-                <a:endParaRPr lang="ko-KR" altLang="en-US" dirty="0"/>
-              </a:p>
-            </p:txBody>
-          </p:sp>
-        </mc:Choice>
-        <mc:Fallback>
-          <p:sp>
-            <p:nvSpPr>
-              <p:cNvPr id="24" name="TextBox 23">
-                <a:extLst>
-                  <a:ext uri="{FF2B5EF4-FFF2-40B4-BE49-F238E27FC236}">
-                    <a16:creationId xmlns:a16="http://schemas.microsoft.com/office/drawing/2014/main" id="{8FFDF607-BC9B-467B-996F-9F85F1340240}"/>
-                  </a:ext>
-                </a:extLst>
-              </p:cNvPr>
-              <p:cNvSpPr txBox="1">
-                <a:spLocks noRot="1" noChangeAspect="1" noMove="1" noResize="1" noEditPoints="1" noAdjustHandles="1" noChangeArrowheads="1" noChangeShapeType="1" noTextEdit="1"/>
-              </p:cNvSpPr>
-              <p:nvPr/>
-            </p:nvSpPr>
-            <p:spPr>
-              <a:xfrm>
-                <a:off x="5914035" y="5179920"/>
-                <a:ext cx="961674" cy="369332"/>
-              </a:xfrm>
-              <a:prstGeom prst="rect">
-                <a:avLst/>
-              </a:prstGeom>
-              <a:blipFill>
-                <a:blip r:embed="rId10"/>
-                <a:stretch>
-                  <a:fillRect b="-16667"/>
-                </a:stretch>
-              </a:blipFill>
-            </p:spPr>
-            <p:txBody>
-              <a:bodyPr/>
-              <a:lstStyle/>
-              <a:p>
-                <a:r>
-                  <a:rPr lang="ko-KR" altLang="en-US">
-                    <a:noFill/>
-                  </a:rPr>
-                  <a:t> </a:t>
-                </a:r>
-              </a:p>
-            </p:txBody>
-          </p:sp>
-        </mc:Fallback>
-      </mc:AlternateContent>
-      <p:cxnSp>
-        <p:nvCxnSpPr>
-          <p:cNvPr id="25" name="직선 연결선 24">
-            <a:extLst>
-              <a:ext uri="{FF2B5EF4-FFF2-40B4-BE49-F238E27FC236}">
-                <a16:creationId xmlns:a16="http://schemas.microsoft.com/office/drawing/2014/main" id="{B31DD7A7-16B5-4A97-959C-FCB6DDF27098}"/>
-              </a:ext>
-            </a:extLst>
-          </p:cNvPr>
-          <p:cNvCxnSpPr>
-            <a:cxnSpLocks/>
-          </p:cNvCxnSpPr>
-          <p:nvPr/>
-        </p:nvCxnSpPr>
-        <p:spPr>
-          <a:xfrm>
-            <a:off x="3684233" y="3124940"/>
-            <a:ext cx="0" cy="2057400"/>
-          </a:xfrm>
-          <a:prstGeom prst="line">
-            <a:avLst/>
-          </a:prstGeom>
-          <a:ln w="19050">
-            <a:solidFill>
-              <a:srgbClr val="FF0000"/>
-            </a:solidFill>
-            <a:prstDash val="lgDash"/>
-          </a:ln>
-        </p:spPr>
-        <p:style>
-          <a:lnRef idx="1">
-            <a:schemeClr val="accent1"/>
-          </a:lnRef>
-          <a:fillRef idx="0">
-            <a:schemeClr val="accent1"/>
-          </a:fillRef>
-          <a:effectRef idx="0">
-            <a:schemeClr val="accent1"/>
-          </a:effectRef>
-          <a:fontRef idx="minor">
-            <a:schemeClr val="tx1"/>
-          </a:fontRef>
-        </p:style>
-      </p:cxnSp>
-      <p:cxnSp>
-        <p:nvCxnSpPr>
-          <p:cNvPr id="26" name="직선 연결선 25">
-            <a:extLst>
-              <a:ext uri="{FF2B5EF4-FFF2-40B4-BE49-F238E27FC236}">
-                <a16:creationId xmlns:a16="http://schemas.microsoft.com/office/drawing/2014/main" id="{CD74932C-217A-4A62-A0C2-CB514EF159E4}"/>
-              </a:ext>
-            </a:extLst>
-          </p:cNvPr>
-          <p:cNvCxnSpPr>
-            <a:cxnSpLocks/>
-          </p:cNvCxnSpPr>
-          <p:nvPr/>
-        </p:nvCxnSpPr>
-        <p:spPr>
-          <a:xfrm flipH="1">
-            <a:off x="3701834" y="5173040"/>
-            <a:ext cx="2694005" cy="0"/>
-          </a:xfrm>
-          <a:prstGeom prst="line">
-            <a:avLst/>
-          </a:prstGeom>
-          <a:ln w="19050">
-            <a:solidFill>
-              <a:srgbClr val="FF0000"/>
-            </a:solidFill>
-            <a:prstDash val="lgDash"/>
-          </a:ln>
-        </p:spPr>
-        <p:style>
-          <a:lnRef idx="1">
-            <a:schemeClr val="accent1"/>
-          </a:lnRef>
-          <a:fillRef idx="0">
-            <a:schemeClr val="accent1"/>
-          </a:fillRef>
-          <a:effectRef idx="0">
-            <a:schemeClr val="accent1"/>
-          </a:effectRef>
-          <a:fontRef idx="minor">
-            <a:schemeClr val="tx1"/>
-          </a:fontRef>
-        </p:style>
-      </p:cxnSp>
       <p:sp>
         <p:nvSpPr>
           <p:cNvPr id="27" name="이등변 삼각형 26">
@@ -5653,6 +4212,1725 @@
           </a:p>
         </p:txBody>
       </p:sp>
+      <p:sp>
+        <p:nvSpPr>
+          <p:cNvPr id="28" name="이등변 삼각형 26">
+            <a:extLst>
+              <a:ext uri="{FF2B5EF4-FFF2-40B4-BE49-F238E27FC236}">
+                <a16:creationId xmlns:a16="http://schemas.microsoft.com/office/drawing/2014/main" id="{9015F4D7-FEA1-4E20-8FA5-33281DFD8B28}"/>
+              </a:ext>
+            </a:extLst>
+          </p:cNvPr>
+          <p:cNvSpPr/>
+          <p:nvPr/>
+        </p:nvSpPr>
+        <p:spPr>
+          <a:xfrm rot="2651785">
+            <a:off x="5426746" y="1514533"/>
+            <a:ext cx="1852038" cy="2672926"/>
+          </a:xfrm>
+          <a:custGeom>
+            <a:avLst/>
+            <a:gdLst>
+              <a:gd name="connsiteX0" fmla="*/ 0 w 1681776"/>
+              <a:gd name="connsiteY0" fmla="*/ 2416811 h 2416811"/>
+              <a:gd name="connsiteX1" fmla="*/ 840888 w 1681776"/>
+              <a:gd name="connsiteY1" fmla="*/ 0 h 2416811"/>
+              <a:gd name="connsiteX2" fmla="*/ 1681776 w 1681776"/>
+              <a:gd name="connsiteY2" fmla="*/ 2416811 h 2416811"/>
+              <a:gd name="connsiteX3" fmla="*/ 0 w 1681776"/>
+              <a:gd name="connsiteY3" fmla="*/ 2416811 h 2416811"/>
+              <a:gd name="connsiteX0" fmla="*/ 0 w 1681777"/>
+              <a:gd name="connsiteY0" fmla="*/ 2416811 h 2416811"/>
+              <a:gd name="connsiteX1" fmla="*/ 840889 w 1681777"/>
+              <a:gd name="connsiteY1" fmla="*/ 0 h 2416811"/>
+              <a:gd name="connsiteX2" fmla="*/ 1681777 w 1681777"/>
+              <a:gd name="connsiteY2" fmla="*/ 2416811 h 2416811"/>
+              <a:gd name="connsiteX3" fmla="*/ 0 w 1681777"/>
+              <a:gd name="connsiteY3" fmla="*/ 2416811 h 2416811"/>
+              <a:gd name="connsiteX0" fmla="*/ 0 w 1878659"/>
+              <a:gd name="connsiteY0" fmla="*/ 2585904 h 2585904"/>
+              <a:gd name="connsiteX1" fmla="*/ 1037771 w 1878659"/>
+              <a:gd name="connsiteY1" fmla="*/ 0 h 2585904"/>
+              <a:gd name="connsiteX2" fmla="*/ 1878659 w 1878659"/>
+              <a:gd name="connsiteY2" fmla="*/ 2416811 h 2585904"/>
+              <a:gd name="connsiteX3" fmla="*/ 0 w 1878659"/>
+              <a:gd name="connsiteY3" fmla="*/ 2585904 h 2585904"/>
+              <a:gd name="connsiteX0" fmla="*/ 0 w 1878659"/>
+              <a:gd name="connsiteY0" fmla="*/ 2579743 h 2579743"/>
+              <a:gd name="connsiteX1" fmla="*/ 1188557 w 1878659"/>
+              <a:gd name="connsiteY1" fmla="*/ 0 h 2579743"/>
+              <a:gd name="connsiteX2" fmla="*/ 1878659 w 1878659"/>
+              <a:gd name="connsiteY2" fmla="*/ 2410650 h 2579743"/>
+              <a:gd name="connsiteX3" fmla="*/ 0 w 1878659"/>
+              <a:gd name="connsiteY3" fmla="*/ 2579743 h 2579743"/>
+              <a:gd name="connsiteX0" fmla="*/ 0 w 1842061"/>
+              <a:gd name="connsiteY0" fmla="*/ 2579743 h 2579743"/>
+              <a:gd name="connsiteX1" fmla="*/ 1188557 w 1842061"/>
+              <a:gd name="connsiteY1" fmla="*/ 0 h 2579743"/>
+              <a:gd name="connsiteX2" fmla="*/ 1842061 w 1842061"/>
+              <a:gd name="connsiteY2" fmla="*/ 2186386 h 2579743"/>
+              <a:gd name="connsiteX3" fmla="*/ 0 w 1842061"/>
+              <a:gd name="connsiteY3" fmla="*/ 2579743 h 2579743"/>
+              <a:gd name="connsiteX0" fmla="*/ 0 w 1878382"/>
+              <a:gd name="connsiteY0" fmla="*/ 2607973 h 2607973"/>
+              <a:gd name="connsiteX1" fmla="*/ 1224878 w 1878382"/>
+              <a:gd name="connsiteY1" fmla="*/ 0 h 2607973"/>
+              <a:gd name="connsiteX2" fmla="*/ 1878382 w 1878382"/>
+              <a:gd name="connsiteY2" fmla="*/ 2186386 h 2607973"/>
+              <a:gd name="connsiteX3" fmla="*/ 0 w 1878382"/>
+              <a:gd name="connsiteY3" fmla="*/ 2607973 h 2607973"/>
+              <a:gd name="connsiteX0" fmla="*/ 0 w 1878382"/>
+              <a:gd name="connsiteY0" fmla="*/ 2622743 h 2622743"/>
+              <a:gd name="connsiteX1" fmla="*/ 1196346 w 1878382"/>
+              <a:gd name="connsiteY1" fmla="*/ 0 h 2622743"/>
+              <a:gd name="connsiteX2" fmla="*/ 1878382 w 1878382"/>
+              <a:gd name="connsiteY2" fmla="*/ 2201156 h 2622743"/>
+              <a:gd name="connsiteX3" fmla="*/ 0 w 1878382"/>
+              <a:gd name="connsiteY3" fmla="*/ 2622743 h 2622743"/>
+              <a:gd name="connsiteX0" fmla="*/ 0 w 1878382"/>
+              <a:gd name="connsiteY0" fmla="*/ 2687192 h 2687192"/>
+              <a:gd name="connsiteX1" fmla="*/ 1211619 w 1878382"/>
+              <a:gd name="connsiteY1" fmla="*/ 0 h 2687192"/>
+              <a:gd name="connsiteX2" fmla="*/ 1878382 w 1878382"/>
+              <a:gd name="connsiteY2" fmla="*/ 2265605 h 2687192"/>
+              <a:gd name="connsiteX3" fmla="*/ 0 w 1878382"/>
+              <a:gd name="connsiteY3" fmla="*/ 2687192 h 2687192"/>
+              <a:gd name="connsiteX0" fmla="*/ 0 w 1754535"/>
+              <a:gd name="connsiteY0" fmla="*/ 2687192 h 2687192"/>
+              <a:gd name="connsiteX1" fmla="*/ 1211619 w 1754535"/>
+              <a:gd name="connsiteY1" fmla="*/ 0 h 2687192"/>
+              <a:gd name="connsiteX2" fmla="*/ 1754535 w 1754535"/>
+              <a:gd name="connsiteY2" fmla="*/ 2130947 h 2687192"/>
+              <a:gd name="connsiteX3" fmla="*/ 0 w 1754535"/>
+              <a:gd name="connsiteY3" fmla="*/ 2687192 h 2687192"/>
+              <a:gd name="connsiteX0" fmla="*/ 0 w 1889056"/>
+              <a:gd name="connsiteY0" fmla="*/ 2687192 h 2687192"/>
+              <a:gd name="connsiteX1" fmla="*/ 1211619 w 1889056"/>
+              <a:gd name="connsiteY1" fmla="*/ 0 h 2687192"/>
+              <a:gd name="connsiteX2" fmla="*/ 1889056 w 1889056"/>
+              <a:gd name="connsiteY2" fmla="*/ 2272939 h 2687192"/>
+              <a:gd name="connsiteX3" fmla="*/ 0 w 1889056"/>
+              <a:gd name="connsiteY3" fmla="*/ 2687192 h 2687192"/>
+              <a:gd name="connsiteX0" fmla="*/ 0 w 1708360"/>
+              <a:gd name="connsiteY0" fmla="*/ 2610693 h 2610693"/>
+              <a:gd name="connsiteX1" fmla="*/ 1030923 w 1708360"/>
+              <a:gd name="connsiteY1" fmla="*/ 0 h 2610693"/>
+              <a:gd name="connsiteX2" fmla="*/ 1708360 w 1708360"/>
+              <a:gd name="connsiteY2" fmla="*/ 2272939 h 2610693"/>
+              <a:gd name="connsiteX3" fmla="*/ 0 w 1708360"/>
+              <a:gd name="connsiteY3" fmla="*/ 2610693 h 2610693"/>
+              <a:gd name="connsiteX0" fmla="*/ 0 w 1903422"/>
+              <a:gd name="connsiteY0" fmla="*/ 2686991 h 2686991"/>
+              <a:gd name="connsiteX1" fmla="*/ 1225985 w 1903422"/>
+              <a:gd name="connsiteY1" fmla="*/ 0 h 2686991"/>
+              <a:gd name="connsiteX2" fmla="*/ 1903422 w 1903422"/>
+              <a:gd name="connsiteY2" fmla="*/ 2272939 h 2686991"/>
+              <a:gd name="connsiteX3" fmla="*/ 0 w 1903422"/>
+              <a:gd name="connsiteY3" fmla="*/ 2686991 h 2686991"/>
+              <a:gd name="connsiteX0" fmla="*/ 0 w 1878129"/>
+              <a:gd name="connsiteY0" fmla="*/ 2676568 h 2676568"/>
+              <a:gd name="connsiteX1" fmla="*/ 1200692 w 1878129"/>
+              <a:gd name="connsiteY1" fmla="*/ 0 h 2676568"/>
+              <a:gd name="connsiteX2" fmla="*/ 1878129 w 1878129"/>
+              <a:gd name="connsiteY2" fmla="*/ 2272939 h 2676568"/>
+              <a:gd name="connsiteX3" fmla="*/ 0 w 1878129"/>
+              <a:gd name="connsiteY3" fmla="*/ 2676568 h 2676568"/>
+              <a:gd name="connsiteX0" fmla="*/ 0 w 1886982"/>
+              <a:gd name="connsiteY0" fmla="*/ 2667463 h 2667463"/>
+              <a:gd name="connsiteX1" fmla="*/ 1209545 w 1886982"/>
+              <a:gd name="connsiteY1" fmla="*/ 0 h 2667463"/>
+              <a:gd name="connsiteX2" fmla="*/ 1886982 w 1886982"/>
+              <a:gd name="connsiteY2" fmla="*/ 2272939 h 2667463"/>
+              <a:gd name="connsiteX3" fmla="*/ 0 w 1886982"/>
+              <a:gd name="connsiteY3" fmla="*/ 2667463 h 2667463"/>
+              <a:gd name="connsiteX0" fmla="*/ 0 w 1881670"/>
+              <a:gd name="connsiteY0" fmla="*/ 2672926 h 2672926"/>
+              <a:gd name="connsiteX1" fmla="*/ 1204233 w 1881670"/>
+              <a:gd name="connsiteY1" fmla="*/ 0 h 2672926"/>
+              <a:gd name="connsiteX2" fmla="*/ 1881670 w 1881670"/>
+              <a:gd name="connsiteY2" fmla="*/ 2272939 h 2672926"/>
+              <a:gd name="connsiteX3" fmla="*/ 0 w 1881670"/>
+              <a:gd name="connsiteY3" fmla="*/ 2672926 h 2672926"/>
+              <a:gd name="connsiteX0" fmla="*/ 0 w 1877573"/>
+              <a:gd name="connsiteY0" fmla="*/ 2672926 h 2672926"/>
+              <a:gd name="connsiteX1" fmla="*/ 1204233 w 1877573"/>
+              <a:gd name="connsiteY1" fmla="*/ 0 h 2672926"/>
+              <a:gd name="connsiteX2" fmla="*/ 1877573 w 1877573"/>
+              <a:gd name="connsiteY2" fmla="*/ 2276923 h 2672926"/>
+              <a:gd name="connsiteX3" fmla="*/ 0 w 1877573"/>
+              <a:gd name="connsiteY3" fmla="*/ 2672926 h 2672926"/>
+              <a:gd name="connsiteX0" fmla="*/ 0 w 1826730"/>
+              <a:gd name="connsiteY0" fmla="*/ 2672926 h 2672926"/>
+              <a:gd name="connsiteX1" fmla="*/ 1204233 w 1826730"/>
+              <a:gd name="connsiteY1" fmla="*/ 0 h 2672926"/>
+              <a:gd name="connsiteX2" fmla="*/ 1826730 w 1826730"/>
+              <a:gd name="connsiteY2" fmla="*/ 2251961 h 2672926"/>
+              <a:gd name="connsiteX3" fmla="*/ 0 w 1826730"/>
+              <a:gd name="connsiteY3" fmla="*/ 2672926 h 2672926"/>
+              <a:gd name="connsiteX0" fmla="*/ 0 w 1880304"/>
+              <a:gd name="connsiteY0" fmla="*/ 2672926 h 2672926"/>
+              <a:gd name="connsiteX1" fmla="*/ 1204233 w 1880304"/>
+              <a:gd name="connsiteY1" fmla="*/ 0 h 2672926"/>
+              <a:gd name="connsiteX2" fmla="*/ 1880304 w 1880304"/>
+              <a:gd name="connsiteY2" fmla="*/ 2274267 h 2672926"/>
+              <a:gd name="connsiteX3" fmla="*/ 0 w 1880304"/>
+              <a:gd name="connsiteY3" fmla="*/ 2672926 h 2672926"/>
+              <a:gd name="connsiteX0" fmla="*/ 0 w 1852038"/>
+              <a:gd name="connsiteY0" fmla="*/ 2672926 h 2672926"/>
+              <a:gd name="connsiteX1" fmla="*/ 1204233 w 1852038"/>
+              <a:gd name="connsiteY1" fmla="*/ 0 h 2672926"/>
+              <a:gd name="connsiteX2" fmla="*/ 1852038 w 1852038"/>
+              <a:gd name="connsiteY2" fmla="*/ 2272523 h 2672926"/>
+              <a:gd name="connsiteX3" fmla="*/ 0 w 1852038"/>
+              <a:gd name="connsiteY3" fmla="*/ 2672926 h 2672926"/>
+            </a:gdLst>
+            <a:ahLst/>
+            <a:cxnLst>
+              <a:cxn ang="0">
+                <a:pos x="connsiteX0" y="connsiteY0"/>
+              </a:cxn>
+              <a:cxn ang="0">
+                <a:pos x="connsiteX1" y="connsiteY1"/>
+              </a:cxn>
+              <a:cxn ang="0">
+                <a:pos x="connsiteX2" y="connsiteY2"/>
+              </a:cxn>
+              <a:cxn ang="0">
+                <a:pos x="connsiteX3" y="connsiteY3"/>
+              </a:cxn>
+            </a:cxnLst>
+            <a:rect l="l" t="t" r="r" b="b"/>
+            <a:pathLst>
+              <a:path w="1852038" h="2672926">
+                <a:moveTo>
+                  <a:pt x="0" y="2672926"/>
+                </a:moveTo>
+                <a:lnTo>
+                  <a:pt x="1204233" y="0"/>
+                </a:lnTo>
+                <a:lnTo>
+                  <a:pt x="1852038" y="2272523"/>
+                </a:lnTo>
+                <a:lnTo>
+                  <a:pt x="0" y="2672926"/>
+                </a:lnTo>
+                <a:close/>
+              </a:path>
+            </a:pathLst>
+          </a:custGeom>
+          <a:pattFill prst="lgGrid">
+            <a:fgClr>
+              <a:srgbClr val="FFC000"/>
+            </a:fgClr>
+            <a:bgClr>
+              <a:schemeClr val="bg1"/>
+            </a:bgClr>
+          </a:pattFill>
+        </p:spPr>
+        <p:style>
+          <a:lnRef idx="2">
+            <a:schemeClr val="accent1">
+              <a:shade val="50000"/>
+            </a:schemeClr>
+          </a:lnRef>
+          <a:fillRef idx="1">
+            <a:schemeClr val="accent1"/>
+          </a:fillRef>
+          <a:effectRef idx="0">
+            <a:schemeClr val="accent1"/>
+          </a:effectRef>
+          <a:fontRef idx="minor">
+            <a:schemeClr val="lt1"/>
+          </a:fontRef>
+        </p:style>
+        <p:txBody>
+          <a:bodyPr rtlCol="0" anchor="ctr"/>
+          <a:lstStyle/>
+          <a:p>
+            <a:pPr algn="ctr"/>
+            <a:endParaRPr lang="ko-KR" altLang="en-US"/>
+          </a:p>
+        </p:txBody>
+      </p:sp>
+      <p:cxnSp>
+        <p:nvCxnSpPr>
+          <p:cNvPr id="5" name="직선 화살표 연결선 4">
+            <a:extLst>
+              <a:ext uri="{FF2B5EF4-FFF2-40B4-BE49-F238E27FC236}">
+                <a16:creationId xmlns:a16="http://schemas.microsoft.com/office/drawing/2014/main" id="{14B99060-F72D-467E-BE89-41C4E1622CE7}"/>
+              </a:ext>
+            </a:extLst>
+          </p:cNvPr>
+          <p:cNvCxnSpPr/>
+          <p:nvPr/>
+        </p:nvCxnSpPr>
+        <p:spPr>
+          <a:xfrm>
+            <a:off x="3423822" y="5182340"/>
+            <a:ext cx="5344357" cy="0"/>
+          </a:xfrm>
+          <a:prstGeom prst="straightConnector1">
+            <a:avLst/>
+          </a:prstGeom>
+          <a:ln w="28575">
+            <a:solidFill>
+              <a:schemeClr val="tx1"/>
+            </a:solidFill>
+            <a:tailEnd type="triangle"/>
+          </a:ln>
+        </p:spPr>
+        <p:style>
+          <a:lnRef idx="1">
+            <a:schemeClr val="accent1"/>
+          </a:lnRef>
+          <a:fillRef idx="0">
+            <a:schemeClr val="accent1"/>
+          </a:fillRef>
+          <a:effectRef idx="0">
+            <a:schemeClr val="accent1"/>
+          </a:effectRef>
+          <a:fontRef idx="minor">
+            <a:schemeClr val="tx1"/>
+          </a:fontRef>
+        </p:style>
+      </p:cxnSp>
+      <p:cxnSp>
+        <p:nvCxnSpPr>
+          <p:cNvPr id="9" name="직선 화살표 연결선 8">
+            <a:extLst>
+              <a:ext uri="{FF2B5EF4-FFF2-40B4-BE49-F238E27FC236}">
+                <a16:creationId xmlns:a16="http://schemas.microsoft.com/office/drawing/2014/main" id="{711247D6-561C-4EC2-B0B5-F78EED7253E0}"/>
+              </a:ext>
+            </a:extLst>
+          </p:cNvPr>
+          <p:cNvCxnSpPr/>
+          <p:nvPr/>
+        </p:nvCxnSpPr>
+        <p:spPr>
+          <a:xfrm flipV="1">
+            <a:off x="3684233" y="1400453"/>
+            <a:ext cx="0" cy="4057095"/>
+          </a:xfrm>
+          <a:prstGeom prst="straightConnector1">
+            <a:avLst/>
+          </a:prstGeom>
+          <a:ln w="28575">
+            <a:solidFill>
+              <a:schemeClr val="tx1"/>
+            </a:solidFill>
+            <a:tailEnd type="triangle"/>
+          </a:ln>
+        </p:spPr>
+        <p:style>
+          <a:lnRef idx="1">
+            <a:schemeClr val="accent1"/>
+          </a:lnRef>
+          <a:fillRef idx="0">
+            <a:schemeClr val="accent1"/>
+          </a:fillRef>
+          <a:effectRef idx="0">
+            <a:schemeClr val="accent1"/>
+          </a:effectRef>
+          <a:fontRef idx="minor">
+            <a:schemeClr val="tx1"/>
+          </a:fontRef>
+        </p:style>
+      </p:cxnSp>
+      <mc:AlternateContent xmlns:mc="http://schemas.openxmlformats.org/markup-compatibility/2006" xmlns:a14="http://schemas.microsoft.com/office/drawing/2010/main">
+        <mc:Choice Requires="a14">
+          <p:sp>
+            <p:nvSpPr>
+              <p:cNvPr id="12" name="TextBox 11">
+                <a:extLst>
+                  <a:ext uri="{FF2B5EF4-FFF2-40B4-BE49-F238E27FC236}">
+                    <a16:creationId xmlns:a16="http://schemas.microsoft.com/office/drawing/2014/main" id="{3B2145C8-33CC-424C-B37B-7AC2D0A7E178}"/>
+                  </a:ext>
+                </a:extLst>
+              </p:cNvPr>
+              <p:cNvSpPr txBox="1"/>
+              <p:nvPr/>
+            </p:nvSpPr>
+            <p:spPr>
+              <a:xfrm>
+                <a:off x="3256680" y="5182340"/>
+                <a:ext cx="427553" cy="369332"/>
+              </a:xfrm>
+              <a:prstGeom prst="rect">
+                <a:avLst/>
+              </a:prstGeom>
+              <a:noFill/>
+            </p:spPr>
+            <p:txBody>
+              <a:bodyPr wrap="none" rtlCol="0">
+                <a:spAutoFit/>
+              </a:bodyPr>
+              <a:lstStyle/>
+              <a:p>
+                <a:pPr/>
+                <a14:m>
+                  <m:oMathPara xmlns:m="http://schemas.openxmlformats.org/officeDocument/2006/math">
+                    <m:oMathParaPr>
+                      <m:jc m:val="centerGroup"/>
+                    </m:oMathParaPr>
+                    <m:oMath xmlns:m="http://schemas.openxmlformats.org/officeDocument/2006/math">
+                      <m:r>
+                        <a:rPr lang="en-US" altLang="ko-KR" b="0" i="1" smtClean="0">
+                          <a:latin typeface="Cambria Math" panose="02040503050406030204" pitchFamily="18" charset="0"/>
+                        </a:rPr>
+                        <m:t>𝑂</m:t>
+                      </m:r>
+                    </m:oMath>
+                  </m:oMathPara>
+                </a14:m>
+                <a:endParaRPr lang="ko-KR" altLang="en-US" dirty="0"/>
+              </a:p>
+            </p:txBody>
+          </p:sp>
+        </mc:Choice>
+        <mc:Fallback xmlns="">
+          <p:sp>
+            <p:nvSpPr>
+              <p:cNvPr id="12" name="TextBox 11">
+                <a:extLst>
+                  <a:ext uri="{FF2B5EF4-FFF2-40B4-BE49-F238E27FC236}">
+                    <a16:creationId xmlns:a16="http://schemas.microsoft.com/office/drawing/2014/main" id="{3B2145C8-33CC-424C-B37B-7AC2D0A7E178}"/>
+                  </a:ext>
+                </a:extLst>
+              </p:cNvPr>
+              <p:cNvSpPr txBox="1">
+                <a:spLocks noRot="1" noChangeAspect="1" noMove="1" noResize="1" noEditPoints="1" noAdjustHandles="1" noChangeArrowheads="1" noChangeShapeType="1" noTextEdit="1"/>
+              </p:cNvSpPr>
+              <p:nvPr/>
+            </p:nvSpPr>
+            <p:spPr>
+              <a:xfrm>
+                <a:off x="3256680" y="5182340"/>
+                <a:ext cx="427553" cy="369332"/>
+              </a:xfrm>
+              <a:prstGeom prst="rect">
+                <a:avLst/>
+              </a:prstGeom>
+              <a:blipFill>
+                <a:blip r:embed="rId2"/>
+                <a:stretch>
+                  <a:fillRect/>
+                </a:stretch>
+              </a:blipFill>
+            </p:spPr>
+            <p:txBody>
+              <a:bodyPr/>
+              <a:lstStyle/>
+              <a:p>
+                <a:r>
+                  <a:rPr lang="ko-KR" altLang="en-US">
+                    <a:noFill/>
+                  </a:rPr>
+                  <a:t> </a:t>
+                </a:r>
+              </a:p>
+            </p:txBody>
+          </p:sp>
+        </mc:Fallback>
+      </mc:AlternateContent>
+      <mc:AlternateContent xmlns:mc="http://schemas.openxmlformats.org/markup-compatibility/2006" xmlns:a14="http://schemas.microsoft.com/office/drawing/2010/main">
+        <mc:Choice Requires="a14">
+          <p:sp>
+            <p:nvSpPr>
+              <p:cNvPr id="13" name="TextBox 12">
+                <a:extLst>
+                  <a:ext uri="{FF2B5EF4-FFF2-40B4-BE49-F238E27FC236}">
+                    <a16:creationId xmlns:a16="http://schemas.microsoft.com/office/drawing/2014/main" id="{9D411A5C-ECF4-49FD-B944-C4C406E79095}"/>
+                  </a:ext>
+                </a:extLst>
+              </p:cNvPr>
+              <p:cNvSpPr txBox="1"/>
+              <p:nvPr/>
+            </p:nvSpPr>
+            <p:spPr>
+              <a:xfrm>
+                <a:off x="8554402" y="5182340"/>
+                <a:ext cx="396840" cy="369332"/>
+              </a:xfrm>
+              <a:prstGeom prst="rect">
+                <a:avLst/>
+              </a:prstGeom>
+              <a:noFill/>
+            </p:spPr>
+            <p:txBody>
+              <a:bodyPr wrap="none" rtlCol="0">
+                <a:spAutoFit/>
+              </a:bodyPr>
+              <a:lstStyle/>
+              <a:p>
+                <a:pPr/>
+                <a14:m>
+                  <m:oMathPara xmlns:m="http://schemas.openxmlformats.org/officeDocument/2006/math">
+                    <m:oMathParaPr>
+                      <m:jc m:val="centerGroup"/>
+                    </m:oMathParaPr>
+                    <m:oMath xmlns:m="http://schemas.openxmlformats.org/officeDocument/2006/math">
+                      <m:r>
+                        <a:rPr lang="en-US" altLang="ko-KR" b="0" i="1" smtClean="0">
+                          <a:latin typeface="Cambria Math" panose="02040503050406030204" pitchFamily="18" charset="0"/>
+                        </a:rPr>
+                        <m:t>𝑥</m:t>
+                      </m:r>
+                    </m:oMath>
+                  </m:oMathPara>
+                </a14:m>
+                <a:endParaRPr lang="ko-KR" altLang="en-US" dirty="0"/>
+              </a:p>
+            </p:txBody>
+          </p:sp>
+        </mc:Choice>
+        <mc:Fallback xmlns="">
+          <p:sp>
+            <p:nvSpPr>
+              <p:cNvPr id="13" name="TextBox 12">
+                <a:extLst>
+                  <a:ext uri="{FF2B5EF4-FFF2-40B4-BE49-F238E27FC236}">
+                    <a16:creationId xmlns:a16="http://schemas.microsoft.com/office/drawing/2014/main" id="{9D411A5C-ECF4-49FD-B944-C4C406E79095}"/>
+                  </a:ext>
+                </a:extLst>
+              </p:cNvPr>
+              <p:cNvSpPr txBox="1">
+                <a:spLocks noRot="1" noChangeAspect="1" noMove="1" noResize="1" noEditPoints="1" noAdjustHandles="1" noChangeArrowheads="1" noChangeShapeType="1" noTextEdit="1"/>
+              </p:cNvSpPr>
+              <p:nvPr/>
+            </p:nvSpPr>
+            <p:spPr>
+              <a:xfrm>
+                <a:off x="8554402" y="5182340"/>
+                <a:ext cx="396840" cy="369332"/>
+              </a:xfrm>
+              <a:prstGeom prst="rect">
+                <a:avLst/>
+              </a:prstGeom>
+              <a:blipFill>
+                <a:blip r:embed="rId3"/>
+                <a:stretch>
+                  <a:fillRect/>
+                </a:stretch>
+              </a:blipFill>
+            </p:spPr>
+            <p:txBody>
+              <a:bodyPr/>
+              <a:lstStyle/>
+              <a:p>
+                <a:r>
+                  <a:rPr lang="ko-KR" altLang="en-US">
+                    <a:noFill/>
+                  </a:rPr>
+                  <a:t> </a:t>
+                </a:r>
+              </a:p>
+            </p:txBody>
+          </p:sp>
+        </mc:Fallback>
+      </mc:AlternateContent>
+      <mc:AlternateContent xmlns:mc="http://schemas.openxmlformats.org/markup-compatibility/2006" xmlns:a14="http://schemas.microsoft.com/office/drawing/2010/main">
+        <mc:Choice Requires="a14">
+          <p:sp>
+            <p:nvSpPr>
+              <p:cNvPr id="14" name="TextBox 13">
+                <a:extLst>
+                  <a:ext uri="{FF2B5EF4-FFF2-40B4-BE49-F238E27FC236}">
+                    <a16:creationId xmlns:a16="http://schemas.microsoft.com/office/drawing/2014/main" id="{48C7F401-E01B-4E28-8F74-3309329349AF}"/>
+                  </a:ext>
+                </a:extLst>
+              </p:cNvPr>
+              <p:cNvSpPr txBox="1"/>
+              <p:nvPr/>
+            </p:nvSpPr>
+            <p:spPr>
+              <a:xfrm>
+                <a:off x="3269792" y="1400453"/>
+                <a:ext cx="396840" cy="369332"/>
+              </a:xfrm>
+              <a:prstGeom prst="rect">
+                <a:avLst/>
+              </a:prstGeom>
+              <a:noFill/>
+            </p:spPr>
+            <p:txBody>
+              <a:bodyPr wrap="none" rtlCol="0">
+                <a:spAutoFit/>
+              </a:bodyPr>
+              <a:lstStyle/>
+              <a:p>
+                <a:pPr/>
+                <a14:m>
+                  <m:oMathPara xmlns:m="http://schemas.openxmlformats.org/officeDocument/2006/math">
+                    <m:oMathParaPr>
+                      <m:jc m:val="centerGroup"/>
+                    </m:oMathParaPr>
+                    <m:oMath xmlns:m="http://schemas.openxmlformats.org/officeDocument/2006/math">
+                      <m:r>
+                        <a:rPr lang="en-US" altLang="ko-KR" b="0" i="1" smtClean="0">
+                          <a:latin typeface="Cambria Math" panose="02040503050406030204" pitchFamily="18" charset="0"/>
+                        </a:rPr>
+                        <m:t>𝑦</m:t>
+                      </m:r>
+                    </m:oMath>
+                  </m:oMathPara>
+                </a14:m>
+                <a:endParaRPr lang="ko-KR" altLang="en-US" dirty="0"/>
+              </a:p>
+            </p:txBody>
+          </p:sp>
+        </mc:Choice>
+        <mc:Fallback xmlns="">
+          <p:sp>
+            <p:nvSpPr>
+              <p:cNvPr id="14" name="TextBox 13">
+                <a:extLst>
+                  <a:ext uri="{FF2B5EF4-FFF2-40B4-BE49-F238E27FC236}">
+                    <a16:creationId xmlns:a16="http://schemas.microsoft.com/office/drawing/2014/main" id="{48C7F401-E01B-4E28-8F74-3309329349AF}"/>
+                  </a:ext>
+                </a:extLst>
+              </p:cNvPr>
+              <p:cNvSpPr txBox="1">
+                <a:spLocks noRot="1" noChangeAspect="1" noMove="1" noResize="1" noEditPoints="1" noAdjustHandles="1" noChangeArrowheads="1" noChangeShapeType="1" noTextEdit="1"/>
+              </p:cNvSpPr>
+              <p:nvPr/>
+            </p:nvSpPr>
+            <p:spPr>
+              <a:xfrm>
+                <a:off x="3269792" y="1400453"/>
+                <a:ext cx="396840" cy="369332"/>
+              </a:xfrm>
+              <a:prstGeom prst="rect">
+                <a:avLst/>
+              </a:prstGeom>
+              <a:blipFill>
+                <a:blip r:embed="rId4"/>
+                <a:stretch>
+                  <a:fillRect b="-10000"/>
+                </a:stretch>
+              </a:blipFill>
+            </p:spPr>
+            <p:txBody>
+              <a:bodyPr/>
+              <a:lstStyle/>
+              <a:p>
+                <a:r>
+                  <a:rPr lang="ko-KR" altLang="en-US">
+                    <a:noFill/>
+                  </a:rPr>
+                  <a:t> </a:t>
+                </a:r>
+              </a:p>
+            </p:txBody>
+          </p:sp>
+        </mc:Fallback>
+      </mc:AlternateContent>
+      <p:cxnSp>
+        <p:nvCxnSpPr>
+          <p:cNvPr id="16" name="직선 화살표 연결선 15">
+            <a:extLst>
+              <a:ext uri="{FF2B5EF4-FFF2-40B4-BE49-F238E27FC236}">
+                <a16:creationId xmlns:a16="http://schemas.microsoft.com/office/drawing/2014/main" id="{A812138A-A7A5-4BC3-A87D-81CC82A8F63D}"/>
+              </a:ext>
+            </a:extLst>
+          </p:cNvPr>
+          <p:cNvCxnSpPr/>
+          <p:nvPr/>
+        </p:nvCxnSpPr>
+        <p:spPr>
+          <a:xfrm flipV="1">
+            <a:off x="3684233" y="4136994"/>
+            <a:ext cx="2716567" cy="1045346"/>
+          </a:xfrm>
+          <a:prstGeom prst="straightConnector1">
+            <a:avLst/>
+          </a:prstGeom>
+          <a:ln w="38100">
+            <a:solidFill>
+              <a:schemeClr val="accent6"/>
+            </a:solidFill>
+            <a:tailEnd type="triangle"/>
+          </a:ln>
+        </p:spPr>
+        <p:style>
+          <a:lnRef idx="1">
+            <a:schemeClr val="accent1"/>
+          </a:lnRef>
+          <a:fillRef idx="0">
+            <a:schemeClr val="accent1"/>
+          </a:fillRef>
+          <a:effectRef idx="0">
+            <a:schemeClr val="accent1"/>
+          </a:effectRef>
+          <a:fontRef idx="minor">
+            <a:schemeClr val="tx1"/>
+          </a:fontRef>
+        </p:style>
+      </p:cxnSp>
+      <p:cxnSp>
+        <p:nvCxnSpPr>
+          <p:cNvPr id="18" name="직선 화살표 연결선 17">
+            <a:extLst>
+              <a:ext uri="{FF2B5EF4-FFF2-40B4-BE49-F238E27FC236}">
+                <a16:creationId xmlns:a16="http://schemas.microsoft.com/office/drawing/2014/main" id="{2874CB5F-867A-4B42-9BA9-70DEA794450E}"/>
+              </a:ext>
+            </a:extLst>
+          </p:cNvPr>
+          <p:cNvCxnSpPr/>
+          <p:nvPr/>
+        </p:nvCxnSpPr>
+        <p:spPr>
+          <a:xfrm flipV="1">
+            <a:off x="3701834" y="3124940"/>
+            <a:ext cx="1059199" cy="2057400"/>
+          </a:xfrm>
+          <a:prstGeom prst="straightConnector1">
+            <a:avLst/>
+          </a:prstGeom>
+          <a:ln w="38100">
+            <a:solidFill>
+              <a:schemeClr val="accent6"/>
+            </a:solidFill>
+            <a:tailEnd type="triangle"/>
+          </a:ln>
+        </p:spPr>
+        <p:style>
+          <a:lnRef idx="1">
+            <a:schemeClr val="accent1"/>
+          </a:lnRef>
+          <a:fillRef idx="0">
+            <a:schemeClr val="accent1"/>
+          </a:fillRef>
+          <a:effectRef idx="0">
+            <a:schemeClr val="accent1"/>
+          </a:effectRef>
+          <a:fontRef idx="minor">
+            <a:schemeClr val="tx1"/>
+          </a:fontRef>
+        </p:style>
+      </p:cxnSp>
+      <mc:AlternateContent xmlns:mc="http://schemas.openxmlformats.org/markup-compatibility/2006" xmlns:a14="http://schemas.microsoft.com/office/drawing/2010/main">
+        <mc:Choice Requires="a14">
+          <p:sp>
+            <p:nvSpPr>
+              <p:cNvPr id="19" name="TextBox 18">
+                <a:extLst>
+                  <a:ext uri="{FF2B5EF4-FFF2-40B4-BE49-F238E27FC236}">
+                    <a16:creationId xmlns:a16="http://schemas.microsoft.com/office/drawing/2014/main" id="{07D2F5A4-3D78-44D5-A5FD-F35DD2AB918D}"/>
+                  </a:ext>
+                </a:extLst>
+              </p:cNvPr>
+              <p:cNvSpPr txBox="1"/>
+              <p:nvPr/>
+            </p:nvSpPr>
+            <p:spPr>
+              <a:xfrm>
+                <a:off x="6386314" y="4085393"/>
+                <a:ext cx="955518" cy="369332"/>
+              </a:xfrm>
+              <a:prstGeom prst="rect">
+                <a:avLst/>
+              </a:prstGeom>
+              <a:noFill/>
+            </p:spPr>
+            <p:txBody>
+              <a:bodyPr wrap="none" rtlCol="0">
+                <a:spAutoFit/>
+              </a:bodyPr>
+              <a:lstStyle/>
+              <a:p>
+                <a:pPr/>
+                <a14:m>
+                  <m:oMathPara xmlns:m="http://schemas.openxmlformats.org/officeDocument/2006/math">
+                    <m:oMathParaPr>
+                      <m:jc m:val="centerGroup"/>
+                    </m:oMathParaPr>
+                    <m:oMath xmlns:m="http://schemas.openxmlformats.org/officeDocument/2006/math">
+                      <m:r>
+                        <a:rPr lang="en-US" altLang="ko-KR" b="0" i="1" smtClean="0">
+                          <a:latin typeface="Cambria Math" panose="02040503050406030204" pitchFamily="18" charset="0"/>
+                        </a:rPr>
+                        <m:t>𝑈</m:t>
+                      </m:r>
+                      <m:r>
+                        <a:rPr lang="en-US" altLang="ko-KR" b="0" i="1" smtClean="0">
+                          <a:latin typeface="Cambria Math" panose="02040503050406030204" pitchFamily="18" charset="0"/>
+                        </a:rPr>
+                        <m:t>(</m:t>
+                      </m:r>
+                      <m:r>
+                        <a:rPr lang="en-US" altLang="ko-KR" b="0" i="1" smtClean="0">
+                          <a:latin typeface="Cambria Math" panose="02040503050406030204" pitchFamily="18" charset="0"/>
+                        </a:rPr>
+                        <m:t>𝑎</m:t>
+                      </m:r>
+                      <m:r>
+                        <a:rPr lang="en-US" altLang="ko-KR" b="0" i="1" smtClean="0">
+                          <a:latin typeface="Cambria Math" panose="02040503050406030204" pitchFamily="18" charset="0"/>
+                        </a:rPr>
+                        <m:t>,</m:t>
+                      </m:r>
+                      <m:r>
+                        <a:rPr lang="en-US" altLang="ko-KR" b="0" i="1" smtClean="0">
+                          <a:latin typeface="Cambria Math" panose="02040503050406030204" pitchFamily="18" charset="0"/>
+                        </a:rPr>
+                        <m:t>𝑐</m:t>
+                      </m:r>
+                      <m:r>
+                        <a:rPr lang="en-US" altLang="ko-KR" b="0" i="1" smtClean="0">
+                          <a:latin typeface="Cambria Math" panose="02040503050406030204" pitchFamily="18" charset="0"/>
+                        </a:rPr>
+                        <m:t>)</m:t>
+                      </m:r>
+                    </m:oMath>
+                  </m:oMathPara>
+                </a14:m>
+                <a:endParaRPr lang="ko-KR" altLang="en-US" dirty="0"/>
+              </a:p>
+            </p:txBody>
+          </p:sp>
+        </mc:Choice>
+        <mc:Fallback xmlns="">
+          <p:sp>
+            <p:nvSpPr>
+              <p:cNvPr id="19" name="TextBox 18">
+                <a:extLst>
+                  <a:ext uri="{FF2B5EF4-FFF2-40B4-BE49-F238E27FC236}">
+                    <a16:creationId xmlns:a16="http://schemas.microsoft.com/office/drawing/2014/main" id="{07D2F5A4-3D78-44D5-A5FD-F35DD2AB918D}"/>
+                  </a:ext>
+                </a:extLst>
+              </p:cNvPr>
+              <p:cNvSpPr txBox="1">
+                <a:spLocks noRot="1" noChangeAspect="1" noMove="1" noResize="1" noEditPoints="1" noAdjustHandles="1" noChangeArrowheads="1" noChangeShapeType="1" noTextEdit="1"/>
+              </p:cNvSpPr>
+              <p:nvPr/>
+            </p:nvSpPr>
+            <p:spPr>
+              <a:xfrm>
+                <a:off x="6386314" y="4085393"/>
+                <a:ext cx="955518" cy="369332"/>
+              </a:xfrm>
+              <a:prstGeom prst="rect">
+                <a:avLst/>
+              </a:prstGeom>
+              <a:blipFill>
+                <a:blip r:embed="rId5"/>
+                <a:stretch>
+                  <a:fillRect b="-16393"/>
+                </a:stretch>
+              </a:blipFill>
+            </p:spPr>
+            <p:txBody>
+              <a:bodyPr/>
+              <a:lstStyle/>
+              <a:p>
+                <a:r>
+                  <a:rPr lang="ko-KR" altLang="en-US">
+                    <a:noFill/>
+                  </a:rPr>
+                  <a:t> </a:t>
+                </a:r>
+              </a:p>
+            </p:txBody>
+          </p:sp>
+        </mc:Fallback>
+      </mc:AlternateContent>
+      <p:cxnSp>
+        <p:nvCxnSpPr>
+          <p:cNvPr id="11" name="직선 화살표 연결선 10">
+            <a:extLst>
+              <a:ext uri="{FF2B5EF4-FFF2-40B4-BE49-F238E27FC236}">
+                <a16:creationId xmlns:a16="http://schemas.microsoft.com/office/drawing/2014/main" id="{419C49E0-B246-48FC-86DA-41BDCDA308FC}"/>
+              </a:ext>
+            </a:extLst>
+          </p:cNvPr>
+          <p:cNvCxnSpPr>
+            <a:cxnSpLocks/>
+            <a:stCxn id="27" idx="2"/>
+          </p:cNvCxnSpPr>
+          <p:nvPr/>
+        </p:nvCxnSpPr>
+        <p:spPr>
+          <a:xfrm flipV="1">
+            <a:off x="4757176" y="2079594"/>
+            <a:ext cx="2717309" cy="1072898"/>
+          </a:xfrm>
+          <a:prstGeom prst="straightConnector1">
+            <a:avLst/>
+          </a:prstGeom>
+          <a:ln w="28575">
+            <a:solidFill>
+              <a:schemeClr val="accent6"/>
+            </a:solidFill>
+            <a:tailEnd type="triangle"/>
+          </a:ln>
+        </p:spPr>
+        <p:style>
+          <a:lnRef idx="1">
+            <a:schemeClr val="accent1"/>
+          </a:lnRef>
+          <a:fillRef idx="0">
+            <a:schemeClr val="accent1"/>
+          </a:fillRef>
+          <a:effectRef idx="0">
+            <a:schemeClr val="accent1"/>
+          </a:effectRef>
+          <a:fontRef idx="minor">
+            <a:schemeClr val="tx1"/>
+          </a:fontRef>
+        </p:style>
+      </p:cxnSp>
+      <p:cxnSp>
+        <p:nvCxnSpPr>
+          <p:cNvPr id="15" name="직선 화살표 연결선 14">
+            <a:extLst>
+              <a:ext uri="{FF2B5EF4-FFF2-40B4-BE49-F238E27FC236}">
+                <a16:creationId xmlns:a16="http://schemas.microsoft.com/office/drawing/2014/main" id="{2704D4E8-A2BC-4A39-93FC-1F27991D7254}"/>
+              </a:ext>
+            </a:extLst>
+          </p:cNvPr>
+          <p:cNvCxnSpPr>
+            <a:cxnSpLocks/>
+            <a:stCxn id="28" idx="2"/>
+          </p:cNvCxnSpPr>
+          <p:nvPr/>
+        </p:nvCxnSpPr>
+        <p:spPr>
+          <a:xfrm flipV="1">
+            <a:off x="6364132" y="2070295"/>
+            <a:ext cx="1122251" cy="2097360"/>
+          </a:xfrm>
+          <a:prstGeom prst="straightConnector1">
+            <a:avLst/>
+          </a:prstGeom>
+          <a:ln w="38100">
+            <a:solidFill>
+              <a:schemeClr val="accent6"/>
+            </a:solidFill>
+            <a:tailEnd type="triangle"/>
+          </a:ln>
+        </p:spPr>
+        <p:style>
+          <a:lnRef idx="1">
+            <a:schemeClr val="accent2"/>
+          </a:lnRef>
+          <a:fillRef idx="0">
+            <a:schemeClr val="accent2"/>
+          </a:fillRef>
+          <a:effectRef idx="0">
+            <a:schemeClr val="accent2"/>
+          </a:effectRef>
+          <a:fontRef idx="minor">
+            <a:schemeClr val="tx1"/>
+          </a:fontRef>
+        </p:style>
+      </p:cxnSp>
+      <mc:AlternateContent xmlns:mc="http://schemas.openxmlformats.org/markup-compatibility/2006" xmlns:a14="http://schemas.microsoft.com/office/drawing/2010/main">
+        <mc:Choice Requires="a14">
+          <p:sp>
+            <p:nvSpPr>
+              <p:cNvPr id="17" name="TextBox 16">
+                <a:extLst>
+                  <a:ext uri="{FF2B5EF4-FFF2-40B4-BE49-F238E27FC236}">
+                    <a16:creationId xmlns:a16="http://schemas.microsoft.com/office/drawing/2014/main" id="{BFBD7388-3771-4B25-A712-D4E905859435}"/>
+                  </a:ext>
+                </a:extLst>
+              </p:cNvPr>
+              <p:cNvSpPr txBox="1"/>
+              <p:nvPr/>
+            </p:nvSpPr>
+            <p:spPr>
+              <a:xfrm>
+                <a:off x="4091965" y="2708546"/>
+                <a:ext cx="967381" cy="369332"/>
+              </a:xfrm>
+              <a:prstGeom prst="rect">
+                <a:avLst/>
+              </a:prstGeom>
+              <a:noFill/>
+            </p:spPr>
+            <p:txBody>
+              <a:bodyPr wrap="none" rtlCol="0">
+                <a:spAutoFit/>
+              </a:bodyPr>
+              <a:lstStyle/>
+              <a:p>
+                <a:pPr/>
+                <a14:m>
+                  <m:oMathPara xmlns:m="http://schemas.openxmlformats.org/officeDocument/2006/math">
+                    <m:oMathParaPr>
+                      <m:jc m:val="centerGroup"/>
+                    </m:oMathParaPr>
+                    <m:oMath xmlns:m="http://schemas.openxmlformats.org/officeDocument/2006/math">
+                      <m:r>
+                        <a:rPr lang="en-US" altLang="ko-KR" b="0" i="1" smtClean="0">
+                          <a:latin typeface="Cambria Math" panose="02040503050406030204" pitchFamily="18" charset="0"/>
+                        </a:rPr>
+                        <m:t>𝑉</m:t>
+                      </m:r>
+                      <m:r>
+                        <a:rPr lang="en-US" altLang="ko-KR" b="0" i="1" smtClean="0">
+                          <a:latin typeface="Cambria Math" panose="02040503050406030204" pitchFamily="18" charset="0"/>
+                        </a:rPr>
+                        <m:t>(</m:t>
+                      </m:r>
+                      <m:r>
+                        <a:rPr lang="en-US" altLang="ko-KR" b="0" i="1" smtClean="0">
+                          <a:latin typeface="Cambria Math" panose="02040503050406030204" pitchFamily="18" charset="0"/>
+                        </a:rPr>
+                        <m:t>𝑏</m:t>
+                      </m:r>
+                      <m:r>
+                        <a:rPr lang="en-US" altLang="ko-KR" b="0" i="1" smtClean="0">
+                          <a:latin typeface="Cambria Math" panose="02040503050406030204" pitchFamily="18" charset="0"/>
+                        </a:rPr>
+                        <m:t>,</m:t>
+                      </m:r>
+                      <m:r>
+                        <a:rPr lang="en-US" altLang="ko-KR" b="0" i="1" smtClean="0">
+                          <a:latin typeface="Cambria Math" panose="02040503050406030204" pitchFamily="18" charset="0"/>
+                        </a:rPr>
+                        <m:t>𝑑</m:t>
+                      </m:r>
+                      <m:r>
+                        <a:rPr lang="en-US" altLang="ko-KR" b="0" i="1" smtClean="0">
+                          <a:latin typeface="Cambria Math" panose="02040503050406030204" pitchFamily="18" charset="0"/>
+                        </a:rPr>
+                        <m:t>)</m:t>
+                      </m:r>
+                    </m:oMath>
+                  </m:oMathPara>
+                </a14:m>
+                <a:endParaRPr lang="ko-KR" altLang="en-US" dirty="0"/>
+              </a:p>
+            </p:txBody>
+          </p:sp>
+        </mc:Choice>
+        <mc:Fallback xmlns="">
+          <p:sp>
+            <p:nvSpPr>
+              <p:cNvPr id="17" name="TextBox 16">
+                <a:extLst>
+                  <a:ext uri="{FF2B5EF4-FFF2-40B4-BE49-F238E27FC236}">
+                    <a16:creationId xmlns:a16="http://schemas.microsoft.com/office/drawing/2014/main" id="{BFBD7388-3771-4B25-A712-D4E905859435}"/>
+                  </a:ext>
+                </a:extLst>
+              </p:cNvPr>
+              <p:cNvSpPr txBox="1">
+                <a:spLocks noRot="1" noChangeAspect="1" noMove="1" noResize="1" noEditPoints="1" noAdjustHandles="1" noChangeArrowheads="1" noChangeShapeType="1" noTextEdit="1"/>
+              </p:cNvSpPr>
+              <p:nvPr/>
+            </p:nvSpPr>
+            <p:spPr>
+              <a:xfrm>
+                <a:off x="4091965" y="2708546"/>
+                <a:ext cx="967381" cy="369332"/>
+              </a:xfrm>
+              <a:prstGeom prst="rect">
+                <a:avLst/>
+              </a:prstGeom>
+              <a:blipFill>
+                <a:blip r:embed="rId6"/>
+                <a:stretch>
+                  <a:fillRect b="-16393"/>
+                </a:stretch>
+              </a:blipFill>
+            </p:spPr>
+            <p:txBody>
+              <a:bodyPr/>
+              <a:lstStyle/>
+              <a:p>
+                <a:r>
+                  <a:rPr lang="ko-KR" altLang="en-US">
+                    <a:noFill/>
+                  </a:rPr>
+                  <a:t> </a:t>
+                </a:r>
+              </a:p>
+            </p:txBody>
+          </p:sp>
+        </mc:Fallback>
+      </mc:AlternateContent>
+      <p:cxnSp>
+        <p:nvCxnSpPr>
+          <p:cNvPr id="3" name="직선 연결선 2">
+            <a:extLst>
+              <a:ext uri="{FF2B5EF4-FFF2-40B4-BE49-F238E27FC236}">
+                <a16:creationId xmlns:a16="http://schemas.microsoft.com/office/drawing/2014/main" id="{828D8B42-F291-4526-B90D-E2D23EB9F846}"/>
+              </a:ext>
+            </a:extLst>
+          </p:cNvPr>
+          <p:cNvCxnSpPr>
+            <a:cxnSpLocks/>
+          </p:cNvCxnSpPr>
+          <p:nvPr/>
+        </p:nvCxnSpPr>
+        <p:spPr>
+          <a:xfrm flipH="1">
+            <a:off x="3701834" y="3124940"/>
+            <a:ext cx="2694005" cy="0"/>
+          </a:xfrm>
+          <a:prstGeom prst="line">
+            <a:avLst/>
+          </a:prstGeom>
+          <a:ln w="19050">
+            <a:solidFill>
+              <a:srgbClr val="FF0000"/>
+            </a:solidFill>
+            <a:prstDash val="lgDash"/>
+          </a:ln>
+        </p:spPr>
+        <p:style>
+          <a:lnRef idx="1">
+            <a:schemeClr val="accent1"/>
+          </a:lnRef>
+          <a:fillRef idx="0">
+            <a:schemeClr val="accent1"/>
+          </a:fillRef>
+          <a:effectRef idx="0">
+            <a:schemeClr val="accent1"/>
+          </a:effectRef>
+          <a:fontRef idx="minor">
+            <a:schemeClr val="tx1"/>
+          </a:fontRef>
+        </p:style>
+      </p:cxnSp>
+      <p:cxnSp>
+        <p:nvCxnSpPr>
+          <p:cNvPr id="6" name="직선 연결선 5">
+            <a:extLst>
+              <a:ext uri="{FF2B5EF4-FFF2-40B4-BE49-F238E27FC236}">
+                <a16:creationId xmlns:a16="http://schemas.microsoft.com/office/drawing/2014/main" id="{20C0E083-EE0C-4418-85BC-1A4E621283CC}"/>
+              </a:ext>
+            </a:extLst>
+          </p:cNvPr>
+          <p:cNvCxnSpPr>
+            <a:cxnSpLocks/>
+          </p:cNvCxnSpPr>
+          <p:nvPr/>
+        </p:nvCxnSpPr>
+        <p:spPr>
+          <a:xfrm>
+            <a:off x="6395839" y="3124940"/>
+            <a:ext cx="0" cy="2057400"/>
+          </a:xfrm>
+          <a:prstGeom prst="line">
+            <a:avLst/>
+          </a:prstGeom>
+          <a:ln w="19050">
+            <a:solidFill>
+              <a:srgbClr val="FF0000"/>
+            </a:solidFill>
+            <a:prstDash val="lgDash"/>
+          </a:ln>
+        </p:spPr>
+        <p:style>
+          <a:lnRef idx="1">
+            <a:schemeClr val="accent1"/>
+          </a:lnRef>
+          <a:fillRef idx="0">
+            <a:schemeClr val="accent1"/>
+          </a:fillRef>
+          <a:effectRef idx="0">
+            <a:schemeClr val="accent1"/>
+          </a:effectRef>
+          <a:fontRef idx="minor">
+            <a:schemeClr val="tx1"/>
+          </a:fontRef>
+        </p:style>
+      </p:cxnSp>
+      <mc:AlternateContent xmlns:mc="http://schemas.openxmlformats.org/markup-compatibility/2006" xmlns:a14="http://schemas.microsoft.com/office/drawing/2010/main">
+        <mc:Choice Requires="a14">
+          <p:sp>
+            <p:nvSpPr>
+              <p:cNvPr id="21" name="TextBox 20">
+                <a:extLst>
+                  <a:ext uri="{FF2B5EF4-FFF2-40B4-BE49-F238E27FC236}">
+                    <a16:creationId xmlns:a16="http://schemas.microsoft.com/office/drawing/2014/main" id="{BFDF1A0F-77F2-422A-AC50-7C9157DB42A7}"/>
+                  </a:ext>
+                </a:extLst>
+              </p:cNvPr>
+              <p:cNvSpPr txBox="1"/>
+              <p:nvPr/>
+            </p:nvSpPr>
+            <p:spPr>
+              <a:xfrm>
+                <a:off x="5908555" y="2758412"/>
+                <a:ext cx="981807" cy="369332"/>
+              </a:xfrm>
+              <a:prstGeom prst="rect">
+                <a:avLst/>
+              </a:prstGeom>
+              <a:noFill/>
+            </p:spPr>
+            <p:txBody>
+              <a:bodyPr wrap="none" rtlCol="0">
+                <a:spAutoFit/>
+              </a:bodyPr>
+              <a:lstStyle/>
+              <a:p>
+                <a:pPr/>
+                <a14:m>
+                  <m:oMathPara xmlns:m="http://schemas.openxmlformats.org/officeDocument/2006/math">
+                    <m:oMathParaPr>
+                      <m:jc m:val="centerGroup"/>
+                    </m:oMathParaPr>
+                    <m:oMath xmlns:m="http://schemas.openxmlformats.org/officeDocument/2006/math">
+                      <m:r>
+                        <a:rPr lang="en-US" altLang="ko-KR" b="0" i="1" smtClean="0">
+                          <a:latin typeface="Cambria Math" panose="02040503050406030204" pitchFamily="18" charset="0"/>
+                        </a:rPr>
+                        <m:t>𝑄</m:t>
+                      </m:r>
+                      <m:r>
+                        <a:rPr lang="en-US" altLang="ko-KR" b="0" i="1" smtClean="0">
+                          <a:latin typeface="Cambria Math" panose="02040503050406030204" pitchFamily="18" charset="0"/>
+                        </a:rPr>
+                        <m:t>(</m:t>
+                      </m:r>
+                      <m:r>
+                        <a:rPr lang="en-US" altLang="ko-KR" b="0" i="1" smtClean="0">
+                          <a:latin typeface="Cambria Math" panose="02040503050406030204" pitchFamily="18" charset="0"/>
+                        </a:rPr>
+                        <m:t>𝑎</m:t>
+                      </m:r>
+                      <m:r>
+                        <a:rPr lang="en-US" altLang="ko-KR" b="0" i="1" smtClean="0">
+                          <a:latin typeface="Cambria Math" panose="02040503050406030204" pitchFamily="18" charset="0"/>
+                        </a:rPr>
+                        <m:t>,</m:t>
+                      </m:r>
+                      <m:r>
+                        <a:rPr lang="en-US" altLang="ko-KR" b="0" i="1" smtClean="0">
+                          <a:latin typeface="Cambria Math" panose="02040503050406030204" pitchFamily="18" charset="0"/>
+                        </a:rPr>
+                        <m:t>𝑑</m:t>
+                      </m:r>
+                      <m:r>
+                        <a:rPr lang="en-US" altLang="ko-KR" b="0" i="1" smtClean="0">
+                          <a:latin typeface="Cambria Math" panose="02040503050406030204" pitchFamily="18" charset="0"/>
+                        </a:rPr>
+                        <m:t>)</m:t>
+                      </m:r>
+                    </m:oMath>
+                  </m:oMathPara>
+                </a14:m>
+                <a:endParaRPr lang="ko-KR" altLang="en-US" dirty="0"/>
+              </a:p>
+            </p:txBody>
+          </p:sp>
+        </mc:Choice>
+        <mc:Fallback xmlns="">
+          <p:sp>
+            <p:nvSpPr>
+              <p:cNvPr id="21" name="TextBox 20">
+                <a:extLst>
+                  <a:ext uri="{FF2B5EF4-FFF2-40B4-BE49-F238E27FC236}">
+                    <a16:creationId xmlns:a16="http://schemas.microsoft.com/office/drawing/2014/main" id="{BFDF1A0F-77F2-422A-AC50-7C9157DB42A7}"/>
+                  </a:ext>
+                </a:extLst>
+              </p:cNvPr>
+              <p:cNvSpPr txBox="1">
+                <a:spLocks noRot="1" noChangeAspect="1" noMove="1" noResize="1" noEditPoints="1" noAdjustHandles="1" noChangeArrowheads="1" noChangeShapeType="1" noTextEdit="1"/>
+              </p:cNvSpPr>
+              <p:nvPr/>
+            </p:nvSpPr>
+            <p:spPr>
+              <a:xfrm>
+                <a:off x="5908555" y="2758412"/>
+                <a:ext cx="981807" cy="369332"/>
+              </a:xfrm>
+              <a:prstGeom prst="rect">
+                <a:avLst/>
+              </a:prstGeom>
+              <a:blipFill>
+                <a:blip r:embed="rId7"/>
+                <a:stretch>
+                  <a:fillRect b="-16393"/>
+                </a:stretch>
+              </a:blipFill>
+            </p:spPr>
+            <p:txBody>
+              <a:bodyPr/>
+              <a:lstStyle/>
+              <a:p>
+                <a:r>
+                  <a:rPr lang="ko-KR" altLang="en-US">
+                    <a:noFill/>
+                  </a:rPr>
+                  <a:t> </a:t>
+                </a:r>
+              </a:p>
+            </p:txBody>
+          </p:sp>
+        </mc:Fallback>
+      </mc:AlternateContent>
+      <mc:AlternateContent xmlns:mc="http://schemas.openxmlformats.org/markup-compatibility/2006" xmlns:a14="http://schemas.microsoft.com/office/drawing/2010/main">
+        <mc:Choice Requires="a14">
+          <p:sp>
+            <p:nvSpPr>
+              <p:cNvPr id="22" name="TextBox 21">
+                <a:extLst>
+                  <a:ext uri="{FF2B5EF4-FFF2-40B4-BE49-F238E27FC236}">
+                    <a16:creationId xmlns:a16="http://schemas.microsoft.com/office/drawing/2014/main" id="{F55DF703-6C64-478C-BED1-3E6215EC6F37}"/>
+                  </a:ext>
+                </a:extLst>
+              </p:cNvPr>
+              <p:cNvSpPr txBox="1"/>
+              <p:nvPr/>
+            </p:nvSpPr>
+            <p:spPr>
+              <a:xfrm>
+                <a:off x="7175461" y="1723055"/>
+                <a:ext cx="1762342" cy="369332"/>
+              </a:xfrm>
+              <a:prstGeom prst="rect">
+                <a:avLst/>
+              </a:prstGeom>
+              <a:noFill/>
+            </p:spPr>
+            <p:txBody>
+              <a:bodyPr wrap="none" rtlCol="0">
+                <a:spAutoFit/>
+              </a:bodyPr>
+              <a:lstStyle/>
+              <a:p>
+                <a:pPr/>
+                <a14:m>
+                  <m:oMathPara xmlns:m="http://schemas.openxmlformats.org/officeDocument/2006/math">
+                    <m:oMathParaPr>
+                      <m:jc m:val="centerGroup"/>
+                    </m:oMathParaPr>
+                    <m:oMath xmlns:m="http://schemas.openxmlformats.org/officeDocument/2006/math">
+                      <m:r>
+                        <a:rPr lang="en-US" altLang="ko-KR" b="0" i="1" smtClean="0">
+                          <a:latin typeface="Cambria Math" panose="02040503050406030204" pitchFamily="18" charset="0"/>
+                        </a:rPr>
+                        <m:t>𝐴</m:t>
+                      </m:r>
+                      <m:r>
+                        <a:rPr lang="en-US" altLang="ko-KR" b="0" i="1" smtClean="0">
+                          <a:latin typeface="Cambria Math" panose="02040503050406030204" pitchFamily="18" charset="0"/>
+                        </a:rPr>
+                        <m:t>(</m:t>
+                      </m:r>
+                      <m:r>
+                        <a:rPr lang="en-US" altLang="ko-KR" b="0" i="1" smtClean="0">
+                          <a:latin typeface="Cambria Math" panose="02040503050406030204" pitchFamily="18" charset="0"/>
+                        </a:rPr>
+                        <m:t>𝑎</m:t>
+                      </m:r>
+                      <m:r>
+                        <a:rPr lang="en-US" altLang="ko-KR" b="0" i="1" smtClean="0">
+                          <a:latin typeface="Cambria Math" panose="02040503050406030204" pitchFamily="18" charset="0"/>
+                        </a:rPr>
+                        <m:t>+</m:t>
+                      </m:r>
+                      <m:r>
+                        <a:rPr lang="en-US" altLang="ko-KR" b="0" i="1" smtClean="0">
+                          <a:latin typeface="Cambria Math" panose="02040503050406030204" pitchFamily="18" charset="0"/>
+                        </a:rPr>
+                        <m:t>𝑏</m:t>
+                      </m:r>
+                      <m:r>
+                        <a:rPr lang="en-US" altLang="ko-KR" b="0" i="1" smtClean="0">
+                          <a:latin typeface="Cambria Math" panose="02040503050406030204" pitchFamily="18" charset="0"/>
+                        </a:rPr>
+                        <m:t>,</m:t>
+                      </m:r>
+                      <m:r>
+                        <a:rPr lang="en-US" altLang="ko-KR" b="0" i="1" smtClean="0">
+                          <a:latin typeface="Cambria Math" panose="02040503050406030204" pitchFamily="18" charset="0"/>
+                        </a:rPr>
+                        <m:t>𝑐</m:t>
+                      </m:r>
+                      <m:r>
+                        <a:rPr lang="en-US" altLang="ko-KR" b="0" i="1" smtClean="0">
+                          <a:latin typeface="Cambria Math" panose="02040503050406030204" pitchFamily="18" charset="0"/>
+                        </a:rPr>
+                        <m:t>+</m:t>
+                      </m:r>
+                      <m:r>
+                        <a:rPr lang="en-US" altLang="ko-KR" b="0" i="1" smtClean="0">
+                          <a:latin typeface="Cambria Math" panose="02040503050406030204" pitchFamily="18" charset="0"/>
+                        </a:rPr>
+                        <m:t>𝑑</m:t>
+                      </m:r>
+                      <m:r>
+                        <a:rPr lang="en-US" altLang="ko-KR" b="0" i="1" smtClean="0">
+                          <a:latin typeface="Cambria Math" panose="02040503050406030204" pitchFamily="18" charset="0"/>
+                        </a:rPr>
+                        <m:t>)</m:t>
+                      </m:r>
+                    </m:oMath>
+                  </m:oMathPara>
+                </a14:m>
+                <a:endParaRPr lang="ko-KR" altLang="en-US" dirty="0"/>
+              </a:p>
+            </p:txBody>
+          </p:sp>
+        </mc:Choice>
+        <mc:Fallback xmlns="">
+          <p:sp>
+            <p:nvSpPr>
+              <p:cNvPr id="22" name="TextBox 21">
+                <a:extLst>
+                  <a:ext uri="{FF2B5EF4-FFF2-40B4-BE49-F238E27FC236}">
+                    <a16:creationId xmlns:a16="http://schemas.microsoft.com/office/drawing/2014/main" id="{F55DF703-6C64-478C-BED1-3E6215EC6F37}"/>
+                  </a:ext>
+                </a:extLst>
+              </p:cNvPr>
+              <p:cNvSpPr txBox="1">
+                <a:spLocks noRot="1" noChangeAspect="1" noMove="1" noResize="1" noEditPoints="1" noAdjustHandles="1" noChangeArrowheads="1" noChangeShapeType="1" noTextEdit="1"/>
+              </p:cNvSpPr>
+              <p:nvPr/>
+            </p:nvSpPr>
+            <p:spPr>
+              <a:xfrm>
+                <a:off x="7175461" y="1723055"/>
+                <a:ext cx="1762342" cy="369332"/>
+              </a:xfrm>
+              <a:prstGeom prst="rect">
+                <a:avLst/>
+              </a:prstGeom>
+              <a:blipFill>
+                <a:blip r:embed="rId8"/>
+                <a:stretch>
+                  <a:fillRect b="-16667"/>
+                </a:stretch>
+              </a:blipFill>
+            </p:spPr>
+            <p:txBody>
+              <a:bodyPr/>
+              <a:lstStyle/>
+              <a:p>
+                <a:r>
+                  <a:rPr lang="ko-KR" altLang="en-US">
+                    <a:noFill/>
+                  </a:rPr>
+                  <a:t> </a:t>
+                </a:r>
+              </a:p>
+            </p:txBody>
+          </p:sp>
+        </mc:Fallback>
+      </mc:AlternateContent>
+      <mc:AlternateContent xmlns:mc="http://schemas.openxmlformats.org/markup-compatibility/2006" xmlns:a14="http://schemas.microsoft.com/office/drawing/2010/main">
+        <mc:Choice Requires="a14">
+          <p:sp>
+            <p:nvSpPr>
+              <p:cNvPr id="23" name="TextBox 22">
+                <a:extLst>
+                  <a:ext uri="{FF2B5EF4-FFF2-40B4-BE49-F238E27FC236}">
+                    <a16:creationId xmlns:a16="http://schemas.microsoft.com/office/drawing/2014/main" id="{EE131AE7-C2EA-4BAC-ACFE-B4D19F14F351}"/>
+                  </a:ext>
+                </a:extLst>
+              </p:cNvPr>
+              <p:cNvSpPr txBox="1"/>
+              <p:nvPr/>
+            </p:nvSpPr>
+            <p:spPr>
+              <a:xfrm>
+                <a:off x="2764745" y="2909794"/>
+                <a:ext cx="967381" cy="369332"/>
+              </a:xfrm>
+              <a:prstGeom prst="rect">
+                <a:avLst/>
+              </a:prstGeom>
+              <a:noFill/>
+            </p:spPr>
+            <p:txBody>
+              <a:bodyPr wrap="none" rtlCol="0">
+                <a:spAutoFit/>
+              </a:bodyPr>
+              <a:lstStyle/>
+              <a:p>
+                <a:pPr/>
+                <a14:m>
+                  <m:oMathPara xmlns:m="http://schemas.openxmlformats.org/officeDocument/2006/math">
+                    <m:oMathParaPr>
+                      <m:jc m:val="centerGroup"/>
+                    </m:oMathParaPr>
+                    <m:oMath xmlns:m="http://schemas.openxmlformats.org/officeDocument/2006/math">
+                      <m:r>
+                        <a:rPr lang="en-US" altLang="ko-KR" b="0" i="1" smtClean="0">
+                          <a:latin typeface="Cambria Math" panose="02040503050406030204" pitchFamily="18" charset="0"/>
+                        </a:rPr>
+                        <m:t>𝑃</m:t>
+                      </m:r>
+                      <m:r>
+                        <a:rPr lang="en-US" altLang="ko-KR" b="0" i="1" smtClean="0">
+                          <a:latin typeface="Cambria Math" panose="02040503050406030204" pitchFamily="18" charset="0"/>
+                        </a:rPr>
+                        <m:t>(0,</m:t>
+                      </m:r>
+                      <m:r>
+                        <a:rPr lang="en-US" altLang="ko-KR" b="0" i="1" smtClean="0">
+                          <a:latin typeface="Cambria Math" panose="02040503050406030204" pitchFamily="18" charset="0"/>
+                        </a:rPr>
+                        <m:t>𝑑</m:t>
+                      </m:r>
+                      <m:r>
+                        <a:rPr lang="en-US" altLang="ko-KR" b="0" i="1" smtClean="0">
+                          <a:latin typeface="Cambria Math" panose="02040503050406030204" pitchFamily="18" charset="0"/>
+                        </a:rPr>
+                        <m:t>)</m:t>
+                      </m:r>
+                    </m:oMath>
+                  </m:oMathPara>
+                </a14:m>
+                <a:endParaRPr lang="ko-KR" altLang="en-US" dirty="0"/>
+              </a:p>
+            </p:txBody>
+          </p:sp>
+        </mc:Choice>
+        <mc:Fallback xmlns="">
+          <p:sp>
+            <p:nvSpPr>
+              <p:cNvPr id="23" name="TextBox 22">
+                <a:extLst>
+                  <a:ext uri="{FF2B5EF4-FFF2-40B4-BE49-F238E27FC236}">
+                    <a16:creationId xmlns:a16="http://schemas.microsoft.com/office/drawing/2014/main" id="{EE131AE7-C2EA-4BAC-ACFE-B4D19F14F351}"/>
+                  </a:ext>
+                </a:extLst>
+              </p:cNvPr>
+              <p:cNvSpPr txBox="1">
+                <a:spLocks noRot="1" noChangeAspect="1" noMove="1" noResize="1" noEditPoints="1" noAdjustHandles="1" noChangeArrowheads="1" noChangeShapeType="1" noTextEdit="1"/>
+              </p:cNvSpPr>
+              <p:nvPr/>
+            </p:nvSpPr>
+            <p:spPr>
+              <a:xfrm>
+                <a:off x="2764745" y="2909794"/>
+                <a:ext cx="967381" cy="369332"/>
+              </a:xfrm>
+              <a:prstGeom prst="rect">
+                <a:avLst/>
+              </a:prstGeom>
+              <a:blipFill>
+                <a:blip r:embed="rId9"/>
+                <a:stretch>
+                  <a:fillRect b="-16393"/>
+                </a:stretch>
+              </a:blipFill>
+            </p:spPr>
+            <p:txBody>
+              <a:bodyPr/>
+              <a:lstStyle/>
+              <a:p>
+                <a:r>
+                  <a:rPr lang="ko-KR" altLang="en-US">
+                    <a:noFill/>
+                  </a:rPr>
+                  <a:t> </a:t>
+                </a:r>
+              </a:p>
+            </p:txBody>
+          </p:sp>
+        </mc:Fallback>
+      </mc:AlternateContent>
+      <mc:AlternateContent xmlns:mc="http://schemas.openxmlformats.org/markup-compatibility/2006" xmlns:a14="http://schemas.microsoft.com/office/drawing/2010/main">
+        <mc:Choice Requires="a14">
+          <p:sp>
+            <p:nvSpPr>
+              <p:cNvPr id="24" name="TextBox 23">
+                <a:extLst>
+                  <a:ext uri="{FF2B5EF4-FFF2-40B4-BE49-F238E27FC236}">
+                    <a16:creationId xmlns:a16="http://schemas.microsoft.com/office/drawing/2014/main" id="{8FFDF607-BC9B-467B-996F-9F85F1340240}"/>
+                  </a:ext>
+                </a:extLst>
+              </p:cNvPr>
+              <p:cNvSpPr txBox="1"/>
+              <p:nvPr/>
+            </p:nvSpPr>
+            <p:spPr>
+              <a:xfrm>
+                <a:off x="5914035" y="5179920"/>
+                <a:ext cx="961674" cy="369332"/>
+              </a:xfrm>
+              <a:prstGeom prst="rect">
+                <a:avLst/>
+              </a:prstGeom>
+              <a:noFill/>
+            </p:spPr>
+            <p:txBody>
+              <a:bodyPr wrap="none" rtlCol="0">
+                <a:spAutoFit/>
+              </a:bodyPr>
+              <a:lstStyle/>
+              <a:p>
+                <a:pPr/>
+                <a14:m>
+                  <m:oMathPara xmlns:m="http://schemas.openxmlformats.org/officeDocument/2006/math">
+                    <m:oMathParaPr>
+                      <m:jc m:val="centerGroup"/>
+                    </m:oMathParaPr>
+                    <m:oMath xmlns:m="http://schemas.openxmlformats.org/officeDocument/2006/math">
+                      <m:r>
+                        <a:rPr lang="en-US" altLang="ko-KR" b="0" i="1" smtClean="0">
+                          <a:latin typeface="Cambria Math" panose="02040503050406030204" pitchFamily="18" charset="0"/>
+                        </a:rPr>
+                        <m:t>𝑅</m:t>
+                      </m:r>
+                      <m:r>
+                        <a:rPr lang="en-US" altLang="ko-KR" b="0" i="1" smtClean="0">
+                          <a:latin typeface="Cambria Math" panose="02040503050406030204" pitchFamily="18" charset="0"/>
+                        </a:rPr>
+                        <m:t>(</m:t>
+                      </m:r>
+                      <m:r>
+                        <a:rPr lang="en-US" altLang="ko-KR" b="0" i="1" smtClean="0">
+                          <a:latin typeface="Cambria Math" panose="02040503050406030204" pitchFamily="18" charset="0"/>
+                        </a:rPr>
+                        <m:t>𝑎</m:t>
+                      </m:r>
+                      <m:r>
+                        <a:rPr lang="en-US" altLang="ko-KR" b="0" i="1" smtClean="0">
+                          <a:latin typeface="Cambria Math" panose="02040503050406030204" pitchFamily="18" charset="0"/>
+                        </a:rPr>
+                        <m:t>,0)</m:t>
+                      </m:r>
+                    </m:oMath>
+                  </m:oMathPara>
+                </a14:m>
+                <a:endParaRPr lang="ko-KR" altLang="en-US" dirty="0"/>
+              </a:p>
+            </p:txBody>
+          </p:sp>
+        </mc:Choice>
+        <mc:Fallback xmlns="">
+          <p:sp>
+            <p:nvSpPr>
+              <p:cNvPr id="24" name="TextBox 23">
+                <a:extLst>
+                  <a:ext uri="{FF2B5EF4-FFF2-40B4-BE49-F238E27FC236}">
+                    <a16:creationId xmlns:a16="http://schemas.microsoft.com/office/drawing/2014/main" id="{8FFDF607-BC9B-467B-996F-9F85F1340240}"/>
+                  </a:ext>
+                </a:extLst>
+              </p:cNvPr>
+              <p:cNvSpPr txBox="1">
+                <a:spLocks noRot="1" noChangeAspect="1" noMove="1" noResize="1" noEditPoints="1" noAdjustHandles="1" noChangeArrowheads="1" noChangeShapeType="1" noTextEdit="1"/>
+              </p:cNvSpPr>
+              <p:nvPr/>
+            </p:nvSpPr>
+            <p:spPr>
+              <a:xfrm>
+                <a:off x="5914035" y="5179920"/>
+                <a:ext cx="961674" cy="369332"/>
+              </a:xfrm>
+              <a:prstGeom prst="rect">
+                <a:avLst/>
+              </a:prstGeom>
+              <a:blipFill>
+                <a:blip r:embed="rId10"/>
+                <a:stretch>
+                  <a:fillRect b="-16667"/>
+                </a:stretch>
+              </a:blipFill>
+            </p:spPr>
+            <p:txBody>
+              <a:bodyPr/>
+              <a:lstStyle/>
+              <a:p>
+                <a:r>
+                  <a:rPr lang="ko-KR" altLang="en-US">
+                    <a:noFill/>
+                  </a:rPr>
+                  <a:t> </a:t>
+                </a:r>
+              </a:p>
+            </p:txBody>
+          </p:sp>
+        </mc:Fallback>
+      </mc:AlternateContent>
+      <p:cxnSp>
+        <p:nvCxnSpPr>
+          <p:cNvPr id="25" name="직선 연결선 24">
+            <a:extLst>
+              <a:ext uri="{FF2B5EF4-FFF2-40B4-BE49-F238E27FC236}">
+                <a16:creationId xmlns:a16="http://schemas.microsoft.com/office/drawing/2014/main" id="{B31DD7A7-16B5-4A97-959C-FCB6DDF27098}"/>
+              </a:ext>
+            </a:extLst>
+          </p:cNvPr>
+          <p:cNvCxnSpPr>
+            <a:cxnSpLocks/>
+          </p:cNvCxnSpPr>
+          <p:nvPr/>
+        </p:nvCxnSpPr>
+        <p:spPr>
+          <a:xfrm>
+            <a:off x="3684233" y="3124940"/>
+            <a:ext cx="0" cy="2057400"/>
+          </a:xfrm>
+          <a:prstGeom prst="line">
+            <a:avLst/>
+          </a:prstGeom>
+          <a:ln w="19050">
+            <a:solidFill>
+              <a:srgbClr val="FF0000"/>
+            </a:solidFill>
+            <a:prstDash val="lgDash"/>
+          </a:ln>
+        </p:spPr>
+        <p:style>
+          <a:lnRef idx="1">
+            <a:schemeClr val="accent1"/>
+          </a:lnRef>
+          <a:fillRef idx="0">
+            <a:schemeClr val="accent1"/>
+          </a:fillRef>
+          <a:effectRef idx="0">
+            <a:schemeClr val="accent1"/>
+          </a:effectRef>
+          <a:fontRef idx="minor">
+            <a:schemeClr val="tx1"/>
+          </a:fontRef>
+        </p:style>
+      </p:cxnSp>
+      <p:cxnSp>
+        <p:nvCxnSpPr>
+          <p:cNvPr id="26" name="직선 연결선 25">
+            <a:extLst>
+              <a:ext uri="{FF2B5EF4-FFF2-40B4-BE49-F238E27FC236}">
+                <a16:creationId xmlns:a16="http://schemas.microsoft.com/office/drawing/2014/main" id="{CD74932C-217A-4A62-A0C2-CB514EF159E4}"/>
+              </a:ext>
+            </a:extLst>
+          </p:cNvPr>
+          <p:cNvCxnSpPr>
+            <a:cxnSpLocks/>
+          </p:cNvCxnSpPr>
+          <p:nvPr/>
+        </p:nvCxnSpPr>
+        <p:spPr>
+          <a:xfrm flipH="1">
+            <a:off x="3701834" y="5173040"/>
+            <a:ext cx="2694005" cy="0"/>
+          </a:xfrm>
+          <a:prstGeom prst="line">
+            <a:avLst/>
+          </a:prstGeom>
+          <a:ln w="19050">
+            <a:solidFill>
+              <a:srgbClr val="FF0000"/>
+            </a:solidFill>
+            <a:prstDash val="lgDash"/>
+          </a:ln>
+        </p:spPr>
+        <p:style>
+          <a:lnRef idx="1">
+            <a:schemeClr val="accent1"/>
+          </a:lnRef>
+          <a:fillRef idx="0">
+            <a:schemeClr val="accent1"/>
+          </a:fillRef>
+          <a:effectRef idx="0">
+            <a:schemeClr val="accent1"/>
+          </a:effectRef>
+          <a:fontRef idx="minor">
+            <a:schemeClr val="tx1"/>
+          </a:fontRef>
+        </p:style>
+      </p:cxnSp>
     </p:spTree>
     <p:extLst>
       <p:ext uri="{BB962C8B-B14F-4D97-AF65-F5344CB8AC3E}">
